--- a/알고리즘 정리/그리디 알고리즘/그리디 알고리즘.pptx
+++ b/알고리즘 정리/그리디 알고리즘/그리디 알고리즘.pptx
@@ -5,7 +5,7 @@
     <p:sldMasterId id="2147483648" r:id="rId1"/>
   </p:sldMasterIdLst>
   <p:notesMasterIdLst>
-    <p:notesMasterId r:id="rId17"/>
+    <p:notesMasterId r:id="rId18"/>
   </p:notesMasterIdLst>
   <p:sldIdLst>
     <p:sldId id="256" r:id="rId2"/>
@@ -14,32 +14,33 @@
     <p:sldId id="308" r:id="rId5"/>
     <p:sldId id="309" r:id="rId6"/>
     <p:sldId id="307" r:id="rId7"/>
-    <p:sldId id="261" r:id="rId8"/>
-    <p:sldId id="270" r:id="rId9"/>
-    <p:sldId id="263" r:id="rId10"/>
-    <p:sldId id="265" r:id="rId11"/>
-    <p:sldId id="271" r:id="rId12"/>
-    <p:sldId id="264" r:id="rId13"/>
-    <p:sldId id="267" r:id="rId14"/>
-    <p:sldId id="268" r:id="rId15"/>
-    <p:sldId id="269" r:id="rId16"/>
+    <p:sldId id="310" r:id="rId8"/>
+    <p:sldId id="261" r:id="rId9"/>
+    <p:sldId id="270" r:id="rId10"/>
+    <p:sldId id="263" r:id="rId11"/>
+    <p:sldId id="265" r:id="rId12"/>
+    <p:sldId id="271" r:id="rId13"/>
+    <p:sldId id="264" r:id="rId14"/>
+    <p:sldId id="267" r:id="rId15"/>
+    <p:sldId id="268" r:id="rId16"/>
+    <p:sldId id="269" r:id="rId17"/>
   </p:sldIdLst>
   <p:sldSz cx="9144000" cy="6858000" type="screen4x3"/>
   <p:notesSz cx="6858000" cy="9144000"/>
   <p:embeddedFontLst>
     <p:embeddedFont>
       <p:font typeface="나눔고딕" panose="020B0600000101010101" charset="-127"/>
-      <p:regular r:id="rId18"/>
-      <p:bold r:id="rId19"/>
+      <p:regular r:id="rId19"/>
+      <p:bold r:id="rId20"/>
     </p:embeddedFont>
     <p:embeddedFont>
       <p:font typeface="나눔손글씨 펜" panose="020B0600000101010101" charset="-127"/>
-      <p:regular r:id="rId20"/>
+      <p:regular r:id="rId21"/>
     </p:embeddedFont>
     <p:embeddedFont>
       <p:font typeface="맑은 고딕" panose="020B0503020000020004" pitchFamily="50" charset="-127"/>
-      <p:regular r:id="rId21"/>
-      <p:bold r:id="rId22"/>
+      <p:regular r:id="rId22"/>
+      <p:bold r:id="rId23"/>
     </p:embeddedFont>
   </p:embeddedFontLst>
   <p:defaultTextStyle>
@@ -4267,7 +4268,7 @@
             <a:fld id="{925008A0-6130-459F-9E7A-74D380BB7481}" type="datetimeFigureOut">
               <a:rPr lang="ko-KR" altLang="en-US" smtClean="0"/>
               <a:pPr/>
-              <a:t>2020-12-09</a:t>
+              <a:t>2020-12-18</a:t>
             </a:fld>
             <a:endParaRPr lang="ko-KR" altLang="en-US"/>
           </a:p>
@@ -4605,7 +4606,7 @@
             <a:fld id="{A6317C71-F6AE-4B8B-A504-3D7629196B32}" type="slidenum">
               <a:rPr lang="ko-KR" altLang="en-US" smtClean="0"/>
               <a:pPr/>
-              <a:t>10</a:t>
+              <a:t>11</a:t>
             </a:fld>
             <a:endParaRPr lang="ko-KR" altLang="en-US"/>
           </a:p>
@@ -5002,7 +5003,7 @@
             <a:fld id="{A2536688-D7E5-43CE-A0B9-183FE151E231}" type="datetimeFigureOut">
               <a:rPr lang="ko-KR" altLang="en-US" smtClean="0"/>
               <a:pPr/>
-              <a:t>2020-12-09</a:t>
+              <a:t>2020-12-18</a:t>
             </a:fld>
             <a:endParaRPr lang="ko-KR" altLang="en-US"/>
           </a:p>
@@ -5147,7 +5148,7 @@
             <a:fld id="{A2536688-D7E5-43CE-A0B9-183FE151E231}" type="datetimeFigureOut">
               <a:rPr lang="ko-KR" altLang="en-US" smtClean="0"/>
               <a:pPr/>
-              <a:t>2020-12-09</a:t>
+              <a:t>2020-12-18</a:t>
             </a:fld>
             <a:endParaRPr lang="ko-KR" altLang="en-US"/>
           </a:p>
@@ -5304,7 +5305,7 @@
             <a:fld id="{A2536688-D7E5-43CE-A0B9-183FE151E231}" type="datetimeFigureOut">
               <a:rPr lang="ko-KR" altLang="en-US" smtClean="0"/>
               <a:pPr/>
-              <a:t>2020-12-09</a:t>
+              <a:t>2020-12-18</a:t>
             </a:fld>
             <a:endParaRPr lang="ko-KR" altLang="en-US"/>
           </a:p>
@@ -5598,7 +5599,7 @@
             <a:fld id="{A2536688-D7E5-43CE-A0B9-183FE151E231}" type="datetimeFigureOut">
               <a:rPr lang="ko-KR" altLang="en-US" smtClean="0"/>
               <a:pPr/>
-              <a:t>2020-12-09</a:t>
+              <a:t>2020-12-18</a:t>
             </a:fld>
             <a:endParaRPr lang="ko-KR" altLang="en-US"/>
           </a:p>
@@ -5787,7 +5788,7 @@
             <a:fld id="{A2536688-D7E5-43CE-A0B9-183FE151E231}" type="datetimeFigureOut">
               <a:rPr lang="ko-KR" altLang="en-US" smtClean="0"/>
               <a:pPr/>
-              <a:t>2020-12-09</a:t>
+              <a:t>2020-12-18</a:t>
             </a:fld>
             <a:endParaRPr lang="ko-KR" altLang="en-US"/>
           </a:p>
@@ -6042,7 +6043,7 @@
             <a:fld id="{A2536688-D7E5-43CE-A0B9-183FE151E231}" type="datetimeFigureOut">
               <a:rPr lang="ko-KR" altLang="en-US" smtClean="0"/>
               <a:pPr/>
-              <a:t>2020-12-09</a:t>
+              <a:t>2020-12-18</a:t>
             </a:fld>
             <a:endParaRPr lang="ko-KR" altLang="en-US"/>
           </a:p>
@@ -6685,7 +6686,7 @@
                 <a:latin typeface="나눔손글씨 펜" pitchFamily="66" charset="-127"/>
                 <a:ea typeface="나눔손글씨 펜" pitchFamily="66" charset="-127"/>
               </a:rPr>
-              <a:t>선</a:t>
+              <a:t>면</a:t>
             </a:r>
             <a:r>
               <a:rPr kumimoji="0" lang="en-US" altLang="ko-KR" sz="4600" spc="-150" dirty="0">
@@ -6709,6 +6710,30 @@
           <p:nvPr/>
         </p:nvPicPr>
         <p:blipFill>
+          <a:blip r:embed="rId2" cstate="print"/>
+          <a:stretch>
+            <a:fillRect/>
+          </a:stretch>
+        </p:blipFill>
+        <p:spPr>
+          <a:xfrm>
+            <a:off x="538162" y="1303809"/>
+            <a:ext cx="8067675" cy="180975"/>
+          </a:xfrm>
+          <a:prstGeom prst="rect">
+            <a:avLst/>
+          </a:prstGeom>
+        </p:spPr>
+      </p:pic>
+      <p:pic>
+        <p:nvPicPr>
+          <p:cNvPr id="39" name="그림 38" descr="도형_면삼각형_화이트.png"/>
+          <p:cNvPicPr>
+            <a:picLocks noChangeAspect="1"/>
+          </p:cNvPicPr>
+          <p:nvPr/>
+        </p:nvPicPr>
+        <p:blipFill>
           <a:blip r:embed="rId3" cstate="print"/>
           <a:stretch>
             <a:fillRect/>
@@ -6716,8 +6741,8 @@
         </p:blipFill>
         <p:spPr>
           <a:xfrm>
-            <a:off x="538162" y="1303809"/>
-            <a:ext cx="8067675" cy="180975"/>
+            <a:off x="539552" y="1826518"/>
+            <a:ext cx="1562100" cy="1314450"/>
           </a:xfrm>
           <a:prstGeom prst="rect">
             <a:avLst/>
@@ -6726,7 +6751,7 @@
       </p:pic>
       <p:pic>
         <p:nvPicPr>
-          <p:cNvPr id="17" name="그림 16" descr="도형_선삼각형_화이트.png"/>
+          <p:cNvPr id="40" name="그림 39" descr="도형_면삼각형_옐로우.png"/>
           <p:cNvPicPr>
             <a:picLocks noChangeAspect="1"/>
           </p:cNvPicPr>
@@ -6740,8 +6765,8 @@
         </p:blipFill>
         <p:spPr>
           <a:xfrm>
-            <a:off x="611560" y="1825173"/>
-            <a:ext cx="1533525" cy="1285875"/>
+            <a:off x="2102335" y="1807591"/>
+            <a:ext cx="1562100" cy="1314450"/>
           </a:xfrm>
           <a:prstGeom prst="rect">
             <a:avLst/>
@@ -6750,7 +6775,7 @@
       </p:pic>
       <p:pic>
         <p:nvPicPr>
-          <p:cNvPr id="18" name="그림 17" descr="도형_선삼각형_옐로우.png"/>
+          <p:cNvPr id="41" name="그림 40" descr="도형_면삼각형_핑크.png"/>
           <p:cNvPicPr>
             <a:picLocks noChangeAspect="1"/>
           </p:cNvPicPr>
@@ -6764,8 +6789,8 @@
         </p:blipFill>
         <p:spPr>
           <a:xfrm>
-            <a:off x="2129086" y="1825774"/>
-            <a:ext cx="1533525" cy="1285875"/>
+            <a:off x="3654946" y="1826518"/>
+            <a:ext cx="1562100" cy="1314450"/>
           </a:xfrm>
           <a:prstGeom prst="rect">
             <a:avLst/>
@@ -6774,7 +6799,7 @@
       </p:pic>
       <p:pic>
         <p:nvPicPr>
-          <p:cNvPr id="19" name="그림 18" descr="도형_선삼각형_핑크.png"/>
+          <p:cNvPr id="42" name="그림 41" descr="도형_면사각형_화이트.png"/>
           <p:cNvPicPr>
             <a:picLocks noChangeAspect="1"/>
           </p:cNvPicPr>
@@ -6788,8 +6813,8 @@
         </p:blipFill>
         <p:spPr>
           <a:xfrm>
-            <a:off x="3686547" y="1825774"/>
-            <a:ext cx="1533525" cy="1285875"/>
+            <a:off x="573560" y="3350023"/>
+            <a:ext cx="1562100" cy="1314450"/>
           </a:xfrm>
           <a:prstGeom prst="rect">
             <a:avLst/>
@@ -6798,7 +6823,7 @@
       </p:pic>
       <p:pic>
         <p:nvPicPr>
-          <p:cNvPr id="20" name="그림 19" descr="도형_선사각형_화이트.png"/>
+          <p:cNvPr id="43" name="그림 42" descr="도형_면사각형_옐로우.png"/>
           <p:cNvPicPr>
             <a:picLocks noChangeAspect="1"/>
           </p:cNvPicPr>
@@ -6812,8 +6837,8 @@
         </p:blipFill>
         <p:spPr>
           <a:xfrm>
-            <a:off x="611560" y="3356992"/>
-            <a:ext cx="1533525" cy="1285875"/>
+            <a:off x="2120287" y="3335361"/>
+            <a:ext cx="1562100" cy="1314450"/>
           </a:xfrm>
           <a:prstGeom prst="rect">
             <a:avLst/>
@@ -6822,7 +6847,7 @@
       </p:pic>
       <p:pic>
         <p:nvPicPr>
-          <p:cNvPr id="21" name="그림 20" descr="도형_선사각형_옐로우.png"/>
+          <p:cNvPr id="44" name="그림 43" descr="도형_면사각형_핑크.png"/>
           <p:cNvPicPr>
             <a:picLocks noChangeAspect="1"/>
           </p:cNvPicPr>
@@ -6836,8 +6861,8 @@
         </p:blipFill>
         <p:spPr>
           <a:xfrm>
-            <a:off x="2164854" y="3356992"/>
-            <a:ext cx="1533525" cy="1285875"/>
+            <a:off x="3706248" y="3344763"/>
+            <a:ext cx="1562100" cy="1314450"/>
           </a:xfrm>
           <a:prstGeom prst="rect">
             <a:avLst/>
@@ -6846,7 +6871,7 @@
       </p:pic>
       <p:pic>
         <p:nvPicPr>
-          <p:cNvPr id="22" name="그림 21" descr="도형_선사각형_핑크.png"/>
+          <p:cNvPr id="45" name="그림 44" descr="도형_면원_화이트.png"/>
           <p:cNvPicPr>
             <a:picLocks noChangeAspect="1"/>
           </p:cNvPicPr>
@@ -6860,8 +6885,8 @@
         </p:blipFill>
         <p:spPr>
           <a:xfrm>
-            <a:off x="3707904" y="3356992"/>
-            <a:ext cx="1533525" cy="1285875"/>
+            <a:off x="561628" y="4845491"/>
+            <a:ext cx="1562100" cy="1314450"/>
           </a:xfrm>
           <a:prstGeom prst="rect">
             <a:avLst/>
@@ -6870,7 +6895,7 @@
       </p:pic>
       <p:pic>
         <p:nvPicPr>
-          <p:cNvPr id="23" name="그림 22" descr="도형_선원_화이트.png"/>
+          <p:cNvPr id="46" name="그림 45" descr="도형_면원_옐로우.png"/>
           <p:cNvPicPr>
             <a:picLocks noChangeAspect="1"/>
           </p:cNvPicPr>
@@ -6884,8 +6909,8 @@
         </p:blipFill>
         <p:spPr>
           <a:xfrm>
-            <a:off x="571017" y="4831060"/>
-            <a:ext cx="1533525" cy="1285875"/>
+            <a:off x="2145804" y="4850854"/>
+            <a:ext cx="1562100" cy="1314450"/>
           </a:xfrm>
           <a:prstGeom prst="rect">
             <a:avLst/>
@@ -6894,7 +6919,7 @@
       </p:pic>
       <p:pic>
         <p:nvPicPr>
-          <p:cNvPr id="24" name="그림 23" descr="도형_선원_옐로우.png"/>
+          <p:cNvPr id="47" name="그림 46" descr="도형_면원_핑크.png"/>
           <p:cNvPicPr>
             <a:picLocks noChangeAspect="1"/>
           </p:cNvPicPr>
@@ -6908,8 +6933,8 @@
         </p:blipFill>
         <p:spPr>
           <a:xfrm>
-            <a:off x="2183904" y="4828170"/>
-            <a:ext cx="1533525" cy="1285875"/>
+            <a:off x="3690850" y="4850854"/>
+            <a:ext cx="1562100" cy="1314450"/>
           </a:xfrm>
           <a:prstGeom prst="rect">
             <a:avLst/>
@@ -6918,7 +6943,7 @@
       </p:pic>
       <p:pic>
         <p:nvPicPr>
-          <p:cNvPr id="25" name="그림 24" descr="도형_선원_핑크.png"/>
+          <p:cNvPr id="48" name="그림 47" descr="도형_면직사각형_화이트.png"/>
           <p:cNvPicPr>
             <a:picLocks noChangeAspect="1"/>
           </p:cNvPicPr>
@@ -6932,8 +6957,8 @@
         </p:blipFill>
         <p:spPr>
           <a:xfrm>
-            <a:off x="3667497" y="4843772"/>
-            <a:ext cx="1533525" cy="1285875"/>
+            <a:off x="5292080" y="1886558"/>
+            <a:ext cx="3314700" cy="1228725"/>
           </a:xfrm>
           <a:prstGeom prst="rect">
             <a:avLst/>
@@ -6942,7 +6967,7 @@
       </p:pic>
       <p:pic>
         <p:nvPicPr>
-          <p:cNvPr id="26" name="그림 25" descr="도형_선직사각형_화이트.png"/>
+          <p:cNvPr id="49" name="그림 48" descr="도형_면직사각형_옐로우.png"/>
           <p:cNvPicPr>
             <a:picLocks noChangeAspect="1"/>
           </p:cNvPicPr>
@@ -6956,8 +6981,8 @@
         </p:blipFill>
         <p:spPr>
           <a:xfrm>
-            <a:off x="5315880" y="1863874"/>
-            <a:ext cx="3267075" cy="1228725"/>
+            <a:off x="5306845" y="3367354"/>
+            <a:ext cx="3314700" cy="1228725"/>
           </a:xfrm>
           <a:prstGeom prst="rect">
             <a:avLst/>
@@ -6966,7 +6991,7 @@
       </p:pic>
       <p:pic>
         <p:nvPicPr>
-          <p:cNvPr id="27" name="그림 26" descr="도형_선직사각형_옐로우.png"/>
+          <p:cNvPr id="50" name="그림 49" descr="도형_면직사각형_핑크.png"/>
           <p:cNvPicPr>
             <a:picLocks noChangeAspect="1"/>
           </p:cNvPicPr>
@@ -6980,32 +7005,8 @@
         </p:blipFill>
         <p:spPr>
           <a:xfrm>
-            <a:off x="5311130" y="3366517"/>
-            <a:ext cx="3267075" cy="1228725"/>
-          </a:xfrm>
-          <a:prstGeom prst="rect">
-            <a:avLst/>
-          </a:prstGeom>
-        </p:spPr>
-      </p:pic>
-      <p:pic>
-        <p:nvPicPr>
-          <p:cNvPr id="28" name="그림 27" descr="도형_선직사각형_핑크.png"/>
-          <p:cNvPicPr>
-            <a:picLocks noChangeAspect="1"/>
-          </p:cNvPicPr>
-          <p:nvPr/>
-        </p:nvPicPr>
-        <p:blipFill>
-          <a:blip r:embed="rId15" cstate="print"/>
-          <a:stretch>
-            <a:fillRect/>
-          </a:stretch>
-        </p:blipFill>
-        <p:spPr>
-          <a:xfrm>
-            <a:off x="5337373" y="4863827"/>
-            <a:ext cx="3267075" cy="1228725"/>
+            <a:off x="5330291" y="4850854"/>
+            <a:ext cx="3314700" cy="1228725"/>
           </a:xfrm>
           <a:prstGeom prst="rect">
             <a:avLst/>
@@ -7037,6 +7038,392 @@
           <a:chExt cx="0" cy="0"/>
         </a:xfrm>
       </p:grpSpPr>
+      <p:sp>
+        <p:nvSpPr>
+          <p:cNvPr id="5" name="TextBox 4"/>
+          <p:cNvSpPr txBox="1"/>
+          <p:nvPr/>
+        </p:nvSpPr>
+        <p:spPr>
+          <a:xfrm>
+            <a:off x="690876" y="620688"/>
+            <a:ext cx="5105260" cy="800219"/>
+          </a:xfrm>
+          <a:prstGeom prst="rect">
+            <a:avLst/>
+          </a:prstGeom>
+          <a:noFill/>
+        </p:spPr>
+        <p:txBody>
+          <a:bodyPr wrap="square">
+            <a:spAutoFit/>
+          </a:bodyPr>
+          <a:lstStyle/>
+          <a:p>
+            <a:pPr fontAlgn="auto">
+              <a:spcBef>
+                <a:spcPts val="0"/>
+              </a:spcBef>
+              <a:spcAft>
+                <a:spcPts val="0"/>
+              </a:spcAft>
+              <a:defRPr/>
+            </a:pPr>
+            <a:r>
+              <a:rPr kumimoji="0" lang="ko-KR" altLang="en-US" sz="4600" spc="-150" dirty="0">
+                <a:solidFill>
+                  <a:schemeClr val="bg1"/>
+                </a:solidFill>
+                <a:latin typeface="나눔손글씨 펜" pitchFamily="66" charset="-127"/>
+                <a:ea typeface="나눔손글씨 펜" pitchFamily="66" charset="-127"/>
+              </a:rPr>
+              <a:t>도형 </a:t>
+            </a:r>
+            <a:r>
+              <a:rPr kumimoji="0" lang="en-US" altLang="ko-KR" sz="4600" spc="-150" dirty="0">
+                <a:solidFill>
+                  <a:schemeClr val="bg1"/>
+                </a:solidFill>
+                <a:latin typeface="나눔손글씨 펜" pitchFamily="66" charset="-127"/>
+                <a:ea typeface="나눔손글씨 펜" pitchFamily="66" charset="-127"/>
+              </a:rPr>
+              <a:t>(</a:t>
+            </a:r>
+            <a:r>
+              <a:rPr kumimoji="0" lang="ko-KR" altLang="en-US" sz="4600" spc="-150" dirty="0">
+                <a:solidFill>
+                  <a:schemeClr val="bg1"/>
+                </a:solidFill>
+                <a:latin typeface="나눔손글씨 펜" pitchFamily="66" charset="-127"/>
+                <a:ea typeface="나눔손글씨 펜" pitchFamily="66" charset="-127"/>
+              </a:rPr>
+              <a:t>선</a:t>
+            </a:r>
+            <a:r>
+              <a:rPr kumimoji="0" lang="en-US" altLang="ko-KR" sz="4600" spc="-150" dirty="0">
+                <a:solidFill>
+                  <a:schemeClr val="bg1"/>
+                </a:solidFill>
+                <a:latin typeface="나눔손글씨 펜" pitchFamily="66" charset="-127"/>
+                <a:ea typeface="나눔손글씨 펜" pitchFamily="66" charset="-127"/>
+              </a:rPr>
+              <a:t>)</a:t>
+            </a:r>
+          </a:p>
+        </p:txBody>
+      </p:sp>
+      <p:pic>
+        <p:nvPicPr>
+          <p:cNvPr id="12" name="그림 11" descr="분필제목라인.png"/>
+          <p:cNvPicPr>
+            <a:picLocks noChangeAspect="1"/>
+          </p:cNvPicPr>
+          <p:nvPr/>
+        </p:nvPicPr>
+        <p:blipFill>
+          <a:blip r:embed="rId3" cstate="print"/>
+          <a:stretch>
+            <a:fillRect/>
+          </a:stretch>
+        </p:blipFill>
+        <p:spPr>
+          <a:xfrm>
+            <a:off x="538162" y="1303809"/>
+            <a:ext cx="8067675" cy="180975"/>
+          </a:xfrm>
+          <a:prstGeom prst="rect">
+            <a:avLst/>
+          </a:prstGeom>
+        </p:spPr>
+      </p:pic>
+      <p:pic>
+        <p:nvPicPr>
+          <p:cNvPr id="17" name="그림 16" descr="도형_선삼각형_화이트.png"/>
+          <p:cNvPicPr>
+            <a:picLocks noChangeAspect="1"/>
+          </p:cNvPicPr>
+          <p:nvPr/>
+        </p:nvPicPr>
+        <p:blipFill>
+          <a:blip r:embed="rId4" cstate="print"/>
+          <a:stretch>
+            <a:fillRect/>
+          </a:stretch>
+        </p:blipFill>
+        <p:spPr>
+          <a:xfrm>
+            <a:off x="611560" y="1825173"/>
+            <a:ext cx="1533525" cy="1285875"/>
+          </a:xfrm>
+          <a:prstGeom prst="rect">
+            <a:avLst/>
+          </a:prstGeom>
+        </p:spPr>
+      </p:pic>
+      <p:pic>
+        <p:nvPicPr>
+          <p:cNvPr id="18" name="그림 17" descr="도형_선삼각형_옐로우.png"/>
+          <p:cNvPicPr>
+            <a:picLocks noChangeAspect="1"/>
+          </p:cNvPicPr>
+          <p:nvPr/>
+        </p:nvPicPr>
+        <p:blipFill>
+          <a:blip r:embed="rId5" cstate="print"/>
+          <a:stretch>
+            <a:fillRect/>
+          </a:stretch>
+        </p:blipFill>
+        <p:spPr>
+          <a:xfrm>
+            <a:off x="2129086" y="1825774"/>
+            <a:ext cx="1533525" cy="1285875"/>
+          </a:xfrm>
+          <a:prstGeom prst="rect">
+            <a:avLst/>
+          </a:prstGeom>
+        </p:spPr>
+      </p:pic>
+      <p:pic>
+        <p:nvPicPr>
+          <p:cNvPr id="19" name="그림 18" descr="도형_선삼각형_핑크.png"/>
+          <p:cNvPicPr>
+            <a:picLocks noChangeAspect="1"/>
+          </p:cNvPicPr>
+          <p:nvPr/>
+        </p:nvPicPr>
+        <p:blipFill>
+          <a:blip r:embed="rId6" cstate="print"/>
+          <a:stretch>
+            <a:fillRect/>
+          </a:stretch>
+        </p:blipFill>
+        <p:spPr>
+          <a:xfrm>
+            <a:off x="3686547" y="1825774"/>
+            <a:ext cx="1533525" cy="1285875"/>
+          </a:xfrm>
+          <a:prstGeom prst="rect">
+            <a:avLst/>
+          </a:prstGeom>
+        </p:spPr>
+      </p:pic>
+      <p:pic>
+        <p:nvPicPr>
+          <p:cNvPr id="20" name="그림 19" descr="도형_선사각형_화이트.png"/>
+          <p:cNvPicPr>
+            <a:picLocks noChangeAspect="1"/>
+          </p:cNvPicPr>
+          <p:nvPr/>
+        </p:nvPicPr>
+        <p:blipFill>
+          <a:blip r:embed="rId7" cstate="print"/>
+          <a:stretch>
+            <a:fillRect/>
+          </a:stretch>
+        </p:blipFill>
+        <p:spPr>
+          <a:xfrm>
+            <a:off x="611560" y="3356992"/>
+            <a:ext cx="1533525" cy="1285875"/>
+          </a:xfrm>
+          <a:prstGeom prst="rect">
+            <a:avLst/>
+          </a:prstGeom>
+        </p:spPr>
+      </p:pic>
+      <p:pic>
+        <p:nvPicPr>
+          <p:cNvPr id="21" name="그림 20" descr="도형_선사각형_옐로우.png"/>
+          <p:cNvPicPr>
+            <a:picLocks noChangeAspect="1"/>
+          </p:cNvPicPr>
+          <p:nvPr/>
+        </p:nvPicPr>
+        <p:blipFill>
+          <a:blip r:embed="rId8" cstate="print"/>
+          <a:stretch>
+            <a:fillRect/>
+          </a:stretch>
+        </p:blipFill>
+        <p:spPr>
+          <a:xfrm>
+            <a:off x="2164854" y="3356992"/>
+            <a:ext cx="1533525" cy="1285875"/>
+          </a:xfrm>
+          <a:prstGeom prst="rect">
+            <a:avLst/>
+          </a:prstGeom>
+        </p:spPr>
+      </p:pic>
+      <p:pic>
+        <p:nvPicPr>
+          <p:cNvPr id="22" name="그림 21" descr="도형_선사각형_핑크.png"/>
+          <p:cNvPicPr>
+            <a:picLocks noChangeAspect="1"/>
+          </p:cNvPicPr>
+          <p:nvPr/>
+        </p:nvPicPr>
+        <p:blipFill>
+          <a:blip r:embed="rId9" cstate="print"/>
+          <a:stretch>
+            <a:fillRect/>
+          </a:stretch>
+        </p:blipFill>
+        <p:spPr>
+          <a:xfrm>
+            <a:off x="3707904" y="3356992"/>
+            <a:ext cx="1533525" cy="1285875"/>
+          </a:xfrm>
+          <a:prstGeom prst="rect">
+            <a:avLst/>
+          </a:prstGeom>
+        </p:spPr>
+      </p:pic>
+      <p:pic>
+        <p:nvPicPr>
+          <p:cNvPr id="23" name="그림 22" descr="도형_선원_화이트.png"/>
+          <p:cNvPicPr>
+            <a:picLocks noChangeAspect="1"/>
+          </p:cNvPicPr>
+          <p:nvPr/>
+        </p:nvPicPr>
+        <p:blipFill>
+          <a:blip r:embed="rId10" cstate="print"/>
+          <a:stretch>
+            <a:fillRect/>
+          </a:stretch>
+        </p:blipFill>
+        <p:spPr>
+          <a:xfrm>
+            <a:off x="571017" y="4831060"/>
+            <a:ext cx="1533525" cy="1285875"/>
+          </a:xfrm>
+          <a:prstGeom prst="rect">
+            <a:avLst/>
+          </a:prstGeom>
+        </p:spPr>
+      </p:pic>
+      <p:pic>
+        <p:nvPicPr>
+          <p:cNvPr id="24" name="그림 23" descr="도형_선원_옐로우.png"/>
+          <p:cNvPicPr>
+            <a:picLocks noChangeAspect="1"/>
+          </p:cNvPicPr>
+          <p:nvPr/>
+        </p:nvPicPr>
+        <p:blipFill>
+          <a:blip r:embed="rId11" cstate="print"/>
+          <a:stretch>
+            <a:fillRect/>
+          </a:stretch>
+        </p:blipFill>
+        <p:spPr>
+          <a:xfrm>
+            <a:off x="2183904" y="4828170"/>
+            <a:ext cx="1533525" cy="1285875"/>
+          </a:xfrm>
+          <a:prstGeom prst="rect">
+            <a:avLst/>
+          </a:prstGeom>
+        </p:spPr>
+      </p:pic>
+      <p:pic>
+        <p:nvPicPr>
+          <p:cNvPr id="25" name="그림 24" descr="도형_선원_핑크.png"/>
+          <p:cNvPicPr>
+            <a:picLocks noChangeAspect="1"/>
+          </p:cNvPicPr>
+          <p:nvPr/>
+        </p:nvPicPr>
+        <p:blipFill>
+          <a:blip r:embed="rId12" cstate="print"/>
+          <a:stretch>
+            <a:fillRect/>
+          </a:stretch>
+        </p:blipFill>
+        <p:spPr>
+          <a:xfrm>
+            <a:off x="3667497" y="4843772"/>
+            <a:ext cx="1533525" cy="1285875"/>
+          </a:xfrm>
+          <a:prstGeom prst="rect">
+            <a:avLst/>
+          </a:prstGeom>
+        </p:spPr>
+      </p:pic>
+      <p:pic>
+        <p:nvPicPr>
+          <p:cNvPr id="26" name="그림 25" descr="도형_선직사각형_화이트.png"/>
+          <p:cNvPicPr>
+            <a:picLocks noChangeAspect="1"/>
+          </p:cNvPicPr>
+          <p:nvPr/>
+        </p:nvPicPr>
+        <p:blipFill>
+          <a:blip r:embed="rId13" cstate="print"/>
+          <a:stretch>
+            <a:fillRect/>
+          </a:stretch>
+        </p:blipFill>
+        <p:spPr>
+          <a:xfrm>
+            <a:off x="5315880" y="1863874"/>
+            <a:ext cx="3267075" cy="1228725"/>
+          </a:xfrm>
+          <a:prstGeom prst="rect">
+            <a:avLst/>
+          </a:prstGeom>
+        </p:spPr>
+      </p:pic>
+      <p:pic>
+        <p:nvPicPr>
+          <p:cNvPr id="27" name="그림 26" descr="도형_선직사각형_옐로우.png"/>
+          <p:cNvPicPr>
+            <a:picLocks noChangeAspect="1"/>
+          </p:cNvPicPr>
+          <p:nvPr/>
+        </p:nvPicPr>
+        <p:blipFill>
+          <a:blip r:embed="rId14" cstate="print"/>
+          <a:stretch>
+            <a:fillRect/>
+          </a:stretch>
+        </p:blipFill>
+        <p:spPr>
+          <a:xfrm>
+            <a:off x="5311130" y="3366517"/>
+            <a:ext cx="3267075" cy="1228725"/>
+          </a:xfrm>
+          <a:prstGeom prst="rect">
+            <a:avLst/>
+          </a:prstGeom>
+        </p:spPr>
+      </p:pic>
+      <p:pic>
+        <p:nvPicPr>
+          <p:cNvPr id="28" name="그림 27" descr="도형_선직사각형_핑크.png"/>
+          <p:cNvPicPr>
+            <a:picLocks noChangeAspect="1"/>
+          </p:cNvPicPr>
+          <p:nvPr/>
+        </p:nvPicPr>
+        <p:blipFill>
+          <a:blip r:embed="rId15" cstate="print"/>
+          <a:stretch>
+            <a:fillRect/>
+          </a:stretch>
+        </p:blipFill>
+        <p:spPr>
+          <a:xfrm>
+            <a:off x="5337373" y="4863827"/>
+            <a:ext cx="3267075" cy="1228725"/>
+          </a:xfrm>
+          <a:prstGeom prst="rect">
+            <a:avLst/>
+          </a:prstGeom>
+        </p:spPr>
+      </p:pic>
     </p:spTree>
   </p:cSld>
   <p:clrMapOvr>
@@ -7062,801 +7449,6 @@
           <a:chExt cx="0" cy="0"/>
         </a:xfrm>
       </p:grpSpPr>
-      <p:sp>
-        <p:nvSpPr>
-          <p:cNvPr id="5" name="TextBox 4"/>
-          <p:cNvSpPr txBox="1"/>
-          <p:nvPr/>
-        </p:nvSpPr>
-        <p:spPr>
-          <a:xfrm>
-            <a:off x="690876" y="620688"/>
-            <a:ext cx="5105260" cy="800219"/>
-          </a:xfrm>
-          <a:prstGeom prst="rect">
-            <a:avLst/>
-          </a:prstGeom>
-          <a:noFill/>
-        </p:spPr>
-        <p:txBody>
-          <a:bodyPr wrap="square">
-            <a:spAutoFit/>
-          </a:bodyPr>
-          <a:lstStyle/>
-          <a:p>
-            <a:pPr fontAlgn="auto">
-              <a:spcBef>
-                <a:spcPts val="0"/>
-              </a:spcBef>
-              <a:spcAft>
-                <a:spcPts val="0"/>
-              </a:spcAft>
-              <a:defRPr/>
-            </a:pPr>
-            <a:r>
-              <a:rPr kumimoji="0" lang="ko-KR" altLang="en-US" sz="4600" spc="-150" dirty="0">
-                <a:solidFill>
-                  <a:schemeClr val="bg1"/>
-                </a:solidFill>
-                <a:latin typeface="나눔손글씨 펜" pitchFamily="66" charset="-127"/>
-                <a:ea typeface="나눔손글씨 펜" pitchFamily="66" charset="-127"/>
-              </a:rPr>
-              <a:t>사물 일러스트</a:t>
-            </a:r>
-            <a:endParaRPr kumimoji="0" lang="en-US" altLang="ko-KR" sz="4600" spc="-150" dirty="0">
-              <a:solidFill>
-                <a:schemeClr val="bg1"/>
-              </a:solidFill>
-              <a:latin typeface="나눔손글씨 펜" pitchFamily="66" charset="-127"/>
-              <a:ea typeface="나눔손글씨 펜" pitchFamily="66" charset="-127"/>
-            </a:endParaRPr>
-          </a:p>
-        </p:txBody>
-      </p:sp>
-      <p:pic>
-        <p:nvPicPr>
-          <p:cNvPr id="12" name="그림 11" descr="분필제목라인.png"/>
-          <p:cNvPicPr>
-            <a:picLocks noChangeAspect="1"/>
-          </p:cNvPicPr>
-          <p:nvPr/>
-        </p:nvPicPr>
-        <p:blipFill>
-          <a:blip r:embed="rId2" cstate="print"/>
-          <a:stretch>
-            <a:fillRect/>
-          </a:stretch>
-        </p:blipFill>
-        <p:spPr>
-          <a:xfrm>
-            <a:off x="538162" y="1303809"/>
-            <a:ext cx="8067675" cy="180975"/>
-          </a:xfrm>
-          <a:prstGeom prst="rect">
-            <a:avLst/>
-          </a:prstGeom>
-        </p:spPr>
-      </p:pic>
-      <p:pic>
-        <p:nvPicPr>
-          <p:cNvPr id="8" name="그림 7" descr="icon_카메라.png"/>
-          <p:cNvPicPr>
-            <a:picLocks noChangeAspect="1"/>
-          </p:cNvPicPr>
-          <p:nvPr/>
-        </p:nvPicPr>
-        <p:blipFill>
-          <a:blip r:embed="rId3" cstate="print"/>
-          <a:stretch>
-            <a:fillRect/>
-          </a:stretch>
-        </p:blipFill>
-        <p:spPr>
-          <a:xfrm>
-            <a:off x="736898" y="1834530"/>
-            <a:ext cx="619125" cy="514350"/>
-          </a:xfrm>
-          <a:prstGeom prst="rect">
-            <a:avLst/>
-          </a:prstGeom>
-        </p:spPr>
-      </p:pic>
-      <p:pic>
-        <p:nvPicPr>
-          <p:cNvPr id="9" name="그림 8" descr="icon_말풍선.png"/>
-          <p:cNvPicPr>
-            <a:picLocks noChangeAspect="1"/>
-          </p:cNvPicPr>
-          <p:nvPr/>
-        </p:nvPicPr>
-        <p:blipFill>
-          <a:blip r:embed="rId4" cstate="print"/>
-          <a:stretch>
-            <a:fillRect/>
-          </a:stretch>
-        </p:blipFill>
-        <p:spPr>
-          <a:xfrm>
-            <a:off x="2138586" y="1844824"/>
-            <a:ext cx="619125" cy="514350"/>
-          </a:xfrm>
-          <a:prstGeom prst="rect">
-            <a:avLst/>
-          </a:prstGeom>
-        </p:spPr>
-      </p:pic>
-      <p:pic>
-        <p:nvPicPr>
-          <p:cNvPr id="10" name="그림 9" descr="icon_스마일.png"/>
-          <p:cNvPicPr>
-            <a:picLocks noChangeAspect="1"/>
-          </p:cNvPicPr>
-          <p:nvPr/>
-        </p:nvPicPr>
-        <p:blipFill>
-          <a:blip r:embed="rId5" cstate="print"/>
-          <a:stretch>
-            <a:fillRect/>
-          </a:stretch>
-        </p:blipFill>
-        <p:spPr>
-          <a:xfrm>
-            <a:off x="3578746" y="1810916"/>
-            <a:ext cx="619125" cy="514350"/>
-          </a:xfrm>
-          <a:prstGeom prst="rect">
-            <a:avLst/>
-          </a:prstGeom>
-        </p:spPr>
-      </p:pic>
-      <p:pic>
-        <p:nvPicPr>
-          <p:cNvPr id="11" name="그림 10" descr="icon_연필.png"/>
-          <p:cNvPicPr>
-            <a:picLocks noChangeAspect="1"/>
-          </p:cNvPicPr>
-          <p:nvPr/>
-        </p:nvPicPr>
-        <p:blipFill>
-          <a:blip r:embed="rId6" cstate="print"/>
-          <a:stretch>
-            <a:fillRect/>
-          </a:stretch>
-        </p:blipFill>
-        <p:spPr>
-          <a:xfrm>
-            <a:off x="4946898" y="1810916"/>
-            <a:ext cx="619125" cy="514350"/>
-          </a:xfrm>
-          <a:prstGeom prst="rect">
-            <a:avLst/>
-          </a:prstGeom>
-        </p:spPr>
-      </p:pic>
-      <p:pic>
-        <p:nvPicPr>
-          <p:cNvPr id="13" name="그림 12" descr="icon_태양.png"/>
-          <p:cNvPicPr>
-            <a:picLocks noChangeAspect="1"/>
-          </p:cNvPicPr>
-          <p:nvPr/>
-        </p:nvPicPr>
-        <p:blipFill>
-          <a:blip r:embed="rId7" cstate="print"/>
-          <a:stretch>
-            <a:fillRect/>
-          </a:stretch>
-        </p:blipFill>
-        <p:spPr>
-          <a:xfrm>
-            <a:off x="6343997" y="1810916"/>
-            <a:ext cx="619125" cy="514350"/>
-          </a:xfrm>
-          <a:prstGeom prst="rect">
-            <a:avLst/>
-          </a:prstGeom>
-        </p:spPr>
-      </p:pic>
-      <p:pic>
-        <p:nvPicPr>
-          <p:cNvPr id="14" name="그림 13" descr="icon_구름.png"/>
-          <p:cNvPicPr>
-            <a:picLocks noChangeAspect="1"/>
-          </p:cNvPicPr>
-          <p:nvPr/>
-        </p:nvPicPr>
-        <p:blipFill>
-          <a:blip r:embed="rId8" cstate="print"/>
-          <a:stretch>
-            <a:fillRect/>
-          </a:stretch>
-        </p:blipFill>
-        <p:spPr>
-          <a:xfrm>
-            <a:off x="755576" y="2792735"/>
-            <a:ext cx="619125" cy="514350"/>
-          </a:xfrm>
-          <a:prstGeom prst="rect">
-            <a:avLst/>
-          </a:prstGeom>
-        </p:spPr>
-      </p:pic>
-      <p:pic>
-        <p:nvPicPr>
-          <p:cNvPr id="15" name="그림 14" descr="icon_우산.png"/>
-          <p:cNvPicPr>
-            <a:picLocks noChangeAspect="1"/>
-          </p:cNvPicPr>
-          <p:nvPr/>
-        </p:nvPicPr>
-        <p:blipFill>
-          <a:blip r:embed="rId9" cstate="print"/>
-          <a:stretch>
-            <a:fillRect/>
-          </a:stretch>
-        </p:blipFill>
-        <p:spPr>
-          <a:xfrm>
-            <a:off x="2152675" y="2783210"/>
-            <a:ext cx="619125" cy="533400"/>
-          </a:xfrm>
-          <a:prstGeom prst="rect">
-            <a:avLst/>
-          </a:prstGeom>
-        </p:spPr>
-      </p:pic>
-      <p:pic>
-        <p:nvPicPr>
-          <p:cNvPr id="16" name="그림 15" descr="icon_사랑.png"/>
-          <p:cNvPicPr>
-            <a:picLocks noChangeAspect="1"/>
-          </p:cNvPicPr>
-          <p:nvPr/>
-        </p:nvPicPr>
-        <p:blipFill>
-          <a:blip r:embed="rId10" cstate="print"/>
-          <a:stretch>
-            <a:fillRect/>
-          </a:stretch>
-        </p:blipFill>
-        <p:spPr>
-          <a:xfrm>
-            <a:off x="3592835" y="2783210"/>
-            <a:ext cx="619125" cy="533400"/>
-          </a:xfrm>
-          <a:prstGeom prst="rect">
-            <a:avLst/>
-          </a:prstGeom>
-        </p:spPr>
-      </p:pic>
-      <p:pic>
-        <p:nvPicPr>
-          <p:cNvPr id="17" name="그림 16" descr="icon_알약.png"/>
-          <p:cNvPicPr>
-            <a:picLocks noChangeAspect="1"/>
-          </p:cNvPicPr>
-          <p:nvPr/>
-        </p:nvPicPr>
-        <p:blipFill>
-          <a:blip r:embed="rId11" cstate="print"/>
-          <a:stretch>
-            <a:fillRect/>
-          </a:stretch>
-        </p:blipFill>
-        <p:spPr>
-          <a:xfrm>
-            <a:off x="4989562" y="2783210"/>
-            <a:ext cx="619125" cy="533400"/>
-          </a:xfrm>
-          <a:prstGeom prst="rect">
-            <a:avLst/>
-          </a:prstGeom>
-        </p:spPr>
-      </p:pic>
-      <p:pic>
-        <p:nvPicPr>
-          <p:cNvPr id="18" name="그림 17" descr="icon_돋보기.png"/>
-          <p:cNvPicPr>
-            <a:picLocks noChangeAspect="1"/>
-          </p:cNvPicPr>
-          <p:nvPr/>
-        </p:nvPicPr>
-        <p:blipFill>
-          <a:blip r:embed="rId12" cstate="print"/>
-          <a:stretch>
-            <a:fillRect/>
-          </a:stretch>
-        </p:blipFill>
-        <p:spPr>
-          <a:xfrm>
-            <a:off x="6401147" y="2783210"/>
-            <a:ext cx="619125" cy="533400"/>
-          </a:xfrm>
-          <a:prstGeom prst="rect">
-            <a:avLst/>
-          </a:prstGeom>
-        </p:spPr>
-      </p:pic>
-      <p:pic>
-        <p:nvPicPr>
-          <p:cNvPr id="19" name="그림 18" descr="icon_사탕.png"/>
-          <p:cNvPicPr>
-            <a:picLocks noChangeAspect="1"/>
-          </p:cNvPicPr>
-          <p:nvPr/>
-        </p:nvPicPr>
-        <p:blipFill>
-          <a:blip r:embed="rId13" cstate="print"/>
-          <a:stretch>
-            <a:fillRect/>
-          </a:stretch>
-        </p:blipFill>
-        <p:spPr>
-          <a:xfrm>
-            <a:off x="755576" y="3784079"/>
-            <a:ext cx="619125" cy="533400"/>
-          </a:xfrm>
-          <a:prstGeom prst="rect">
-            <a:avLst/>
-          </a:prstGeom>
-        </p:spPr>
-      </p:pic>
-      <p:pic>
-        <p:nvPicPr>
-          <p:cNvPr id="20" name="그림 19" descr="icon_비행기.png"/>
-          <p:cNvPicPr>
-            <a:picLocks noChangeAspect="1"/>
-          </p:cNvPicPr>
-          <p:nvPr/>
-        </p:nvPicPr>
-        <p:blipFill>
-          <a:blip r:embed="rId14" cstate="print"/>
-          <a:stretch>
-            <a:fillRect/>
-          </a:stretch>
-        </p:blipFill>
-        <p:spPr>
-          <a:xfrm>
-            <a:off x="2195736" y="3794373"/>
-            <a:ext cx="619125" cy="533400"/>
-          </a:xfrm>
-          <a:prstGeom prst="rect">
-            <a:avLst/>
-          </a:prstGeom>
-        </p:spPr>
-      </p:pic>
-      <p:pic>
-        <p:nvPicPr>
-          <p:cNvPr id="21" name="그림 20" descr="icon_편지.png"/>
-          <p:cNvPicPr>
-            <a:picLocks noChangeAspect="1"/>
-          </p:cNvPicPr>
-          <p:nvPr/>
-        </p:nvPicPr>
-        <p:blipFill>
-          <a:blip r:embed="rId15" cstate="print"/>
-          <a:stretch>
-            <a:fillRect/>
-          </a:stretch>
-        </p:blipFill>
-        <p:spPr>
-          <a:xfrm>
-            <a:off x="7634436" y="1772816"/>
-            <a:ext cx="619125" cy="533400"/>
-          </a:xfrm>
-          <a:prstGeom prst="rect">
-            <a:avLst/>
-          </a:prstGeom>
-        </p:spPr>
-      </p:pic>
-      <p:pic>
-        <p:nvPicPr>
-          <p:cNvPr id="22" name="그림 21" descr="icon_집.png"/>
-          <p:cNvPicPr>
-            <a:picLocks noChangeAspect="1"/>
-          </p:cNvPicPr>
-          <p:nvPr/>
-        </p:nvPicPr>
-        <p:blipFill>
-          <a:blip r:embed="rId16" cstate="print"/>
-          <a:stretch>
-            <a:fillRect/>
-          </a:stretch>
-        </p:blipFill>
-        <p:spPr>
-          <a:xfrm>
-            <a:off x="7706444" y="2761878"/>
-            <a:ext cx="619125" cy="533400"/>
-          </a:xfrm>
-          <a:prstGeom prst="rect">
-            <a:avLst/>
-          </a:prstGeom>
-        </p:spPr>
-      </p:pic>
-      <p:pic>
-        <p:nvPicPr>
-          <p:cNvPr id="23" name="그림 22" descr="icon_자동차.png"/>
-          <p:cNvPicPr>
-            <a:picLocks noChangeAspect="1"/>
-          </p:cNvPicPr>
-          <p:nvPr/>
-        </p:nvPicPr>
-        <p:blipFill>
-          <a:blip r:embed="rId17" cstate="print"/>
-          <a:stretch>
-            <a:fillRect/>
-          </a:stretch>
-        </p:blipFill>
-        <p:spPr>
-          <a:xfrm>
-            <a:off x="7706444" y="3760465"/>
-            <a:ext cx="619125" cy="533400"/>
-          </a:xfrm>
-          <a:prstGeom prst="rect">
-            <a:avLst/>
-          </a:prstGeom>
-        </p:spPr>
-      </p:pic>
-      <p:pic>
-        <p:nvPicPr>
-          <p:cNvPr id="24" name="그림 23" descr="icon_핸드폰.png"/>
-          <p:cNvPicPr>
-            <a:picLocks noChangeAspect="1"/>
-          </p:cNvPicPr>
-          <p:nvPr/>
-        </p:nvPicPr>
-        <p:blipFill>
-          <a:blip r:embed="rId18" cstate="print"/>
-          <a:stretch>
-            <a:fillRect/>
-          </a:stretch>
-        </p:blipFill>
-        <p:spPr>
-          <a:xfrm>
-            <a:off x="7749877" y="4778102"/>
-            <a:ext cx="619125" cy="533400"/>
-          </a:xfrm>
-          <a:prstGeom prst="rect">
-            <a:avLst/>
-          </a:prstGeom>
-        </p:spPr>
-      </p:pic>
-      <p:pic>
-        <p:nvPicPr>
-          <p:cNvPr id="25" name="그림 24" descr="icon_메모.png"/>
-          <p:cNvPicPr>
-            <a:picLocks noChangeAspect="1"/>
-          </p:cNvPicPr>
-          <p:nvPr/>
-        </p:nvPicPr>
-        <p:blipFill>
-          <a:blip r:embed="rId19" cstate="print"/>
-          <a:stretch>
-            <a:fillRect/>
-          </a:stretch>
-        </p:blipFill>
-        <p:spPr>
-          <a:xfrm>
-            <a:off x="7768927" y="5786214"/>
-            <a:ext cx="619125" cy="533400"/>
-          </a:xfrm>
-          <a:prstGeom prst="rect">
-            <a:avLst/>
-          </a:prstGeom>
-        </p:spPr>
-      </p:pic>
-      <p:pic>
-        <p:nvPicPr>
-          <p:cNvPr id="26" name="그림 25" descr="icon_물음표.png"/>
-          <p:cNvPicPr>
-            <a:picLocks noChangeAspect="1"/>
-          </p:cNvPicPr>
-          <p:nvPr/>
-        </p:nvPicPr>
-        <p:blipFill>
-          <a:blip r:embed="rId20" cstate="print"/>
-          <a:stretch>
-            <a:fillRect/>
-          </a:stretch>
-        </p:blipFill>
-        <p:spPr>
-          <a:xfrm>
-            <a:off x="3563888" y="3789040"/>
-            <a:ext cx="619125" cy="533400"/>
-          </a:xfrm>
-          <a:prstGeom prst="rect">
-            <a:avLst/>
-          </a:prstGeom>
-        </p:spPr>
-      </p:pic>
-      <p:pic>
-        <p:nvPicPr>
-          <p:cNvPr id="27" name="그림 26" descr="icon_느낌표.png"/>
-          <p:cNvPicPr>
-            <a:picLocks noChangeAspect="1"/>
-          </p:cNvPicPr>
-          <p:nvPr/>
-        </p:nvPicPr>
-        <p:blipFill>
-          <a:blip r:embed="rId21" cstate="print"/>
-          <a:stretch>
-            <a:fillRect/>
-          </a:stretch>
-        </p:blipFill>
-        <p:spPr>
-          <a:xfrm>
-            <a:off x="5004048" y="3774268"/>
-            <a:ext cx="619125" cy="533400"/>
-          </a:xfrm>
-          <a:prstGeom prst="rect">
-            <a:avLst/>
-          </a:prstGeom>
-        </p:spPr>
-      </p:pic>
-      <p:pic>
-        <p:nvPicPr>
-          <p:cNvPr id="28" name="그림 27" descr="icon_야구.png"/>
-          <p:cNvPicPr>
-            <a:picLocks noChangeAspect="1"/>
-          </p:cNvPicPr>
-          <p:nvPr/>
-        </p:nvPicPr>
-        <p:blipFill>
-          <a:blip r:embed="rId22" cstate="print"/>
-          <a:stretch>
-            <a:fillRect/>
-          </a:stretch>
-        </p:blipFill>
-        <p:spPr>
-          <a:xfrm>
-            <a:off x="6401147" y="3789040"/>
-            <a:ext cx="619125" cy="533400"/>
-          </a:xfrm>
-          <a:prstGeom prst="rect">
-            <a:avLst/>
-          </a:prstGeom>
-        </p:spPr>
-      </p:pic>
-      <p:pic>
-        <p:nvPicPr>
-          <p:cNvPr id="29" name="그림 28" descr="icon_화살표좌.png"/>
-          <p:cNvPicPr>
-            <a:picLocks noChangeAspect="1"/>
-          </p:cNvPicPr>
-          <p:nvPr/>
-        </p:nvPicPr>
-        <p:blipFill>
-          <a:blip r:embed="rId23" cstate="print"/>
-          <a:stretch>
-            <a:fillRect/>
-          </a:stretch>
-        </p:blipFill>
-        <p:spPr>
-          <a:xfrm>
-            <a:off x="746051" y="4811241"/>
-            <a:ext cx="619125" cy="533400"/>
-          </a:xfrm>
-          <a:prstGeom prst="rect">
-            <a:avLst/>
-          </a:prstGeom>
-        </p:spPr>
-      </p:pic>
-      <p:pic>
-        <p:nvPicPr>
-          <p:cNvPr id="30" name="그림 29" descr="icon_화살표우.png"/>
-          <p:cNvPicPr>
-            <a:picLocks noChangeAspect="1"/>
-          </p:cNvPicPr>
-          <p:nvPr/>
-        </p:nvPicPr>
-        <p:blipFill>
-          <a:blip r:embed="rId24" cstate="print"/>
-          <a:stretch>
-            <a:fillRect/>
-          </a:stretch>
-        </p:blipFill>
-        <p:spPr>
-          <a:xfrm>
-            <a:off x="2186211" y="4811241"/>
-            <a:ext cx="619125" cy="533400"/>
-          </a:xfrm>
-          <a:prstGeom prst="rect">
-            <a:avLst/>
-          </a:prstGeom>
-        </p:spPr>
-      </p:pic>
-      <p:pic>
-        <p:nvPicPr>
-          <p:cNvPr id="31" name="그림 30" descr="icon_음악.png"/>
-          <p:cNvPicPr>
-            <a:picLocks noChangeAspect="1"/>
-          </p:cNvPicPr>
-          <p:nvPr/>
-        </p:nvPicPr>
-        <p:blipFill>
-          <a:blip r:embed="rId25" cstate="print"/>
-          <a:stretch>
-            <a:fillRect/>
-          </a:stretch>
-        </p:blipFill>
-        <p:spPr>
-          <a:xfrm>
-            <a:off x="3554363" y="4811241"/>
-            <a:ext cx="619125" cy="533400"/>
-          </a:xfrm>
-          <a:prstGeom prst="rect">
-            <a:avLst/>
-          </a:prstGeom>
-        </p:spPr>
-      </p:pic>
-      <p:pic>
-        <p:nvPicPr>
-          <p:cNvPr id="32" name="그림 31" descr="icon_책.png"/>
-          <p:cNvPicPr>
-            <a:picLocks noChangeAspect="1"/>
-          </p:cNvPicPr>
-          <p:nvPr/>
-        </p:nvPicPr>
-        <p:blipFill>
-          <a:blip r:embed="rId26" cstate="print"/>
-          <a:stretch>
-            <a:fillRect/>
-          </a:stretch>
-        </p:blipFill>
-        <p:spPr>
-          <a:xfrm>
-            <a:off x="5023470" y="4811241"/>
-            <a:ext cx="619125" cy="533400"/>
-          </a:xfrm>
-          <a:prstGeom prst="rect">
-            <a:avLst/>
-          </a:prstGeom>
-        </p:spPr>
-      </p:pic>
-      <p:pic>
-        <p:nvPicPr>
-          <p:cNvPr id="33" name="그림 32" descr="icon_풍선.png"/>
-          <p:cNvPicPr>
-            <a:picLocks noChangeAspect="1"/>
-          </p:cNvPicPr>
-          <p:nvPr/>
-        </p:nvPicPr>
-        <p:blipFill>
-          <a:blip r:embed="rId27" cstate="print"/>
-          <a:stretch>
-            <a:fillRect/>
-          </a:stretch>
-        </p:blipFill>
-        <p:spPr>
-          <a:xfrm>
-            <a:off x="6391622" y="4789709"/>
-            <a:ext cx="619125" cy="533400"/>
-          </a:xfrm>
-          <a:prstGeom prst="rect">
-            <a:avLst/>
-          </a:prstGeom>
-        </p:spPr>
-      </p:pic>
-      <p:pic>
-        <p:nvPicPr>
-          <p:cNvPr id="34" name="그림 33" descr="icon_당근.png"/>
-          <p:cNvPicPr>
-            <a:picLocks noChangeAspect="1"/>
-          </p:cNvPicPr>
-          <p:nvPr/>
-        </p:nvPicPr>
-        <p:blipFill>
-          <a:blip r:embed="rId28" cstate="print"/>
-          <a:stretch>
-            <a:fillRect/>
-          </a:stretch>
-        </p:blipFill>
-        <p:spPr>
-          <a:xfrm>
-            <a:off x="674043" y="5733628"/>
-            <a:ext cx="733425" cy="619125"/>
-          </a:xfrm>
-          <a:prstGeom prst="rect">
-            <a:avLst/>
-          </a:prstGeom>
-        </p:spPr>
-      </p:pic>
-      <p:pic>
-        <p:nvPicPr>
-          <p:cNvPr id="35" name="그림 34" descr="icon_사과.png"/>
-          <p:cNvPicPr>
-            <a:picLocks noChangeAspect="1"/>
-          </p:cNvPicPr>
-          <p:nvPr/>
-        </p:nvPicPr>
-        <p:blipFill>
-          <a:blip r:embed="rId29" cstate="print"/>
-          <a:stretch>
-            <a:fillRect/>
-          </a:stretch>
-        </p:blipFill>
-        <p:spPr>
-          <a:xfrm>
-            <a:off x="2114203" y="5757639"/>
-            <a:ext cx="733425" cy="619125"/>
-          </a:xfrm>
-          <a:prstGeom prst="rect">
-            <a:avLst/>
-          </a:prstGeom>
-        </p:spPr>
-      </p:pic>
-      <p:pic>
-        <p:nvPicPr>
-          <p:cNvPr id="36" name="그림 35" descr="icon_배.png"/>
-          <p:cNvPicPr>
-            <a:picLocks noChangeAspect="1"/>
-          </p:cNvPicPr>
-          <p:nvPr/>
-        </p:nvPicPr>
-        <p:blipFill>
-          <a:blip r:embed="rId30" cstate="print"/>
-          <a:stretch>
-            <a:fillRect/>
-          </a:stretch>
-        </p:blipFill>
-        <p:spPr>
-          <a:xfrm>
-            <a:off x="3482355" y="5786586"/>
-            <a:ext cx="733425" cy="619125"/>
-          </a:xfrm>
-          <a:prstGeom prst="rect">
-            <a:avLst/>
-          </a:prstGeom>
-        </p:spPr>
-      </p:pic>
-      <p:pic>
-        <p:nvPicPr>
-          <p:cNvPr id="37" name="그림 36" descr="icon_옷.png"/>
-          <p:cNvPicPr>
-            <a:picLocks noChangeAspect="1"/>
-          </p:cNvPicPr>
-          <p:nvPr/>
-        </p:nvPicPr>
-        <p:blipFill>
-          <a:blip r:embed="rId31" cstate="print"/>
-          <a:stretch>
-            <a:fillRect/>
-          </a:stretch>
-        </p:blipFill>
-        <p:spPr>
-          <a:xfrm>
-            <a:off x="4994523" y="5781253"/>
-            <a:ext cx="676275" cy="571500"/>
-          </a:xfrm>
-          <a:prstGeom prst="rect">
-            <a:avLst/>
-          </a:prstGeom>
-        </p:spPr>
-      </p:pic>
-      <p:pic>
-        <p:nvPicPr>
-          <p:cNvPr id="38" name="그림 37" descr="icon_빗방울.png"/>
-          <p:cNvPicPr>
-            <a:picLocks noChangeAspect="1"/>
-          </p:cNvPicPr>
-          <p:nvPr/>
-        </p:nvPicPr>
-        <p:blipFill>
-          <a:blip r:embed="rId32" cstate="print"/>
-          <a:stretch>
-            <a:fillRect/>
-          </a:stretch>
-        </p:blipFill>
-        <p:spPr>
-          <a:xfrm>
-            <a:off x="6406480" y="5743153"/>
-            <a:ext cx="676275" cy="590550"/>
-          </a:xfrm>
-          <a:prstGeom prst="rect">
-            <a:avLst/>
-          </a:prstGeom>
-        </p:spPr>
-      </p:pic>
     </p:spTree>
   </p:cSld>
   <p:clrMapOvr>
@@ -7921,7 +7513,7 @@
                 <a:latin typeface="나눔손글씨 펜" pitchFamily="66" charset="-127"/>
                 <a:ea typeface="나눔손글씨 펜" pitchFamily="66" charset="-127"/>
               </a:rPr>
-              <a:t>차트 예시</a:t>
+              <a:t>사물 일러스트</a:t>
             </a:r>
             <a:endParaRPr kumimoji="0" lang="en-US" altLang="ko-KR" sz="4600" spc="-150" dirty="0">
               <a:solidFill>
@@ -7957,22 +7549,726 @@
           </a:prstGeom>
         </p:spPr>
       </p:pic>
-      <p:graphicFrame>
-        <p:nvGraphicFramePr>
-          <p:cNvPr id="39" name="다이어그램 38"/>
-          <p:cNvGraphicFramePr/>
+      <p:pic>
+        <p:nvPicPr>
+          <p:cNvPr id="8" name="그림 7" descr="icon_카메라.png"/>
+          <p:cNvPicPr>
+            <a:picLocks noChangeAspect="1"/>
+          </p:cNvPicPr>
           <p:nvPr/>
-        </p:nvGraphicFramePr>
-        <p:xfrm>
-          <a:off x="1547664" y="2060848"/>
-          <a:ext cx="6096000" cy="4064000"/>
-        </p:xfrm>
-        <a:graphic>
-          <a:graphicData uri="http://schemas.openxmlformats.org/drawingml/2006/diagram">
-            <dgm:relIds xmlns:dgm="http://schemas.openxmlformats.org/drawingml/2006/diagram" xmlns:r="http://schemas.openxmlformats.org/officeDocument/2006/relationships" r:dm="rId3" r:lo="rId4" r:qs="rId5" r:cs="rId6"/>
-          </a:graphicData>
-        </a:graphic>
-      </p:graphicFrame>
+        </p:nvPicPr>
+        <p:blipFill>
+          <a:blip r:embed="rId3" cstate="print"/>
+          <a:stretch>
+            <a:fillRect/>
+          </a:stretch>
+        </p:blipFill>
+        <p:spPr>
+          <a:xfrm>
+            <a:off x="736898" y="1834530"/>
+            <a:ext cx="619125" cy="514350"/>
+          </a:xfrm>
+          <a:prstGeom prst="rect">
+            <a:avLst/>
+          </a:prstGeom>
+        </p:spPr>
+      </p:pic>
+      <p:pic>
+        <p:nvPicPr>
+          <p:cNvPr id="9" name="그림 8" descr="icon_말풍선.png"/>
+          <p:cNvPicPr>
+            <a:picLocks noChangeAspect="1"/>
+          </p:cNvPicPr>
+          <p:nvPr/>
+        </p:nvPicPr>
+        <p:blipFill>
+          <a:blip r:embed="rId4" cstate="print"/>
+          <a:stretch>
+            <a:fillRect/>
+          </a:stretch>
+        </p:blipFill>
+        <p:spPr>
+          <a:xfrm>
+            <a:off x="2138586" y="1844824"/>
+            <a:ext cx="619125" cy="514350"/>
+          </a:xfrm>
+          <a:prstGeom prst="rect">
+            <a:avLst/>
+          </a:prstGeom>
+        </p:spPr>
+      </p:pic>
+      <p:pic>
+        <p:nvPicPr>
+          <p:cNvPr id="10" name="그림 9" descr="icon_스마일.png"/>
+          <p:cNvPicPr>
+            <a:picLocks noChangeAspect="1"/>
+          </p:cNvPicPr>
+          <p:nvPr/>
+        </p:nvPicPr>
+        <p:blipFill>
+          <a:blip r:embed="rId5" cstate="print"/>
+          <a:stretch>
+            <a:fillRect/>
+          </a:stretch>
+        </p:blipFill>
+        <p:spPr>
+          <a:xfrm>
+            <a:off x="3578746" y="1810916"/>
+            <a:ext cx="619125" cy="514350"/>
+          </a:xfrm>
+          <a:prstGeom prst="rect">
+            <a:avLst/>
+          </a:prstGeom>
+        </p:spPr>
+      </p:pic>
+      <p:pic>
+        <p:nvPicPr>
+          <p:cNvPr id="11" name="그림 10" descr="icon_연필.png"/>
+          <p:cNvPicPr>
+            <a:picLocks noChangeAspect="1"/>
+          </p:cNvPicPr>
+          <p:nvPr/>
+        </p:nvPicPr>
+        <p:blipFill>
+          <a:blip r:embed="rId6" cstate="print"/>
+          <a:stretch>
+            <a:fillRect/>
+          </a:stretch>
+        </p:blipFill>
+        <p:spPr>
+          <a:xfrm>
+            <a:off x="4946898" y="1810916"/>
+            <a:ext cx="619125" cy="514350"/>
+          </a:xfrm>
+          <a:prstGeom prst="rect">
+            <a:avLst/>
+          </a:prstGeom>
+        </p:spPr>
+      </p:pic>
+      <p:pic>
+        <p:nvPicPr>
+          <p:cNvPr id="13" name="그림 12" descr="icon_태양.png"/>
+          <p:cNvPicPr>
+            <a:picLocks noChangeAspect="1"/>
+          </p:cNvPicPr>
+          <p:nvPr/>
+        </p:nvPicPr>
+        <p:blipFill>
+          <a:blip r:embed="rId7" cstate="print"/>
+          <a:stretch>
+            <a:fillRect/>
+          </a:stretch>
+        </p:blipFill>
+        <p:spPr>
+          <a:xfrm>
+            <a:off x="6343997" y="1810916"/>
+            <a:ext cx="619125" cy="514350"/>
+          </a:xfrm>
+          <a:prstGeom prst="rect">
+            <a:avLst/>
+          </a:prstGeom>
+        </p:spPr>
+      </p:pic>
+      <p:pic>
+        <p:nvPicPr>
+          <p:cNvPr id="14" name="그림 13" descr="icon_구름.png"/>
+          <p:cNvPicPr>
+            <a:picLocks noChangeAspect="1"/>
+          </p:cNvPicPr>
+          <p:nvPr/>
+        </p:nvPicPr>
+        <p:blipFill>
+          <a:blip r:embed="rId8" cstate="print"/>
+          <a:stretch>
+            <a:fillRect/>
+          </a:stretch>
+        </p:blipFill>
+        <p:spPr>
+          <a:xfrm>
+            <a:off x="755576" y="2792735"/>
+            <a:ext cx="619125" cy="514350"/>
+          </a:xfrm>
+          <a:prstGeom prst="rect">
+            <a:avLst/>
+          </a:prstGeom>
+        </p:spPr>
+      </p:pic>
+      <p:pic>
+        <p:nvPicPr>
+          <p:cNvPr id="15" name="그림 14" descr="icon_우산.png"/>
+          <p:cNvPicPr>
+            <a:picLocks noChangeAspect="1"/>
+          </p:cNvPicPr>
+          <p:nvPr/>
+        </p:nvPicPr>
+        <p:blipFill>
+          <a:blip r:embed="rId9" cstate="print"/>
+          <a:stretch>
+            <a:fillRect/>
+          </a:stretch>
+        </p:blipFill>
+        <p:spPr>
+          <a:xfrm>
+            <a:off x="2152675" y="2783210"/>
+            <a:ext cx="619125" cy="533400"/>
+          </a:xfrm>
+          <a:prstGeom prst="rect">
+            <a:avLst/>
+          </a:prstGeom>
+        </p:spPr>
+      </p:pic>
+      <p:pic>
+        <p:nvPicPr>
+          <p:cNvPr id="16" name="그림 15" descr="icon_사랑.png"/>
+          <p:cNvPicPr>
+            <a:picLocks noChangeAspect="1"/>
+          </p:cNvPicPr>
+          <p:nvPr/>
+        </p:nvPicPr>
+        <p:blipFill>
+          <a:blip r:embed="rId10" cstate="print"/>
+          <a:stretch>
+            <a:fillRect/>
+          </a:stretch>
+        </p:blipFill>
+        <p:spPr>
+          <a:xfrm>
+            <a:off x="3592835" y="2783210"/>
+            <a:ext cx="619125" cy="533400"/>
+          </a:xfrm>
+          <a:prstGeom prst="rect">
+            <a:avLst/>
+          </a:prstGeom>
+        </p:spPr>
+      </p:pic>
+      <p:pic>
+        <p:nvPicPr>
+          <p:cNvPr id="17" name="그림 16" descr="icon_알약.png"/>
+          <p:cNvPicPr>
+            <a:picLocks noChangeAspect="1"/>
+          </p:cNvPicPr>
+          <p:nvPr/>
+        </p:nvPicPr>
+        <p:blipFill>
+          <a:blip r:embed="rId11" cstate="print"/>
+          <a:stretch>
+            <a:fillRect/>
+          </a:stretch>
+        </p:blipFill>
+        <p:spPr>
+          <a:xfrm>
+            <a:off x="4989562" y="2783210"/>
+            <a:ext cx="619125" cy="533400"/>
+          </a:xfrm>
+          <a:prstGeom prst="rect">
+            <a:avLst/>
+          </a:prstGeom>
+        </p:spPr>
+      </p:pic>
+      <p:pic>
+        <p:nvPicPr>
+          <p:cNvPr id="18" name="그림 17" descr="icon_돋보기.png"/>
+          <p:cNvPicPr>
+            <a:picLocks noChangeAspect="1"/>
+          </p:cNvPicPr>
+          <p:nvPr/>
+        </p:nvPicPr>
+        <p:blipFill>
+          <a:blip r:embed="rId12" cstate="print"/>
+          <a:stretch>
+            <a:fillRect/>
+          </a:stretch>
+        </p:blipFill>
+        <p:spPr>
+          <a:xfrm>
+            <a:off x="6401147" y="2783210"/>
+            <a:ext cx="619125" cy="533400"/>
+          </a:xfrm>
+          <a:prstGeom prst="rect">
+            <a:avLst/>
+          </a:prstGeom>
+        </p:spPr>
+      </p:pic>
+      <p:pic>
+        <p:nvPicPr>
+          <p:cNvPr id="19" name="그림 18" descr="icon_사탕.png"/>
+          <p:cNvPicPr>
+            <a:picLocks noChangeAspect="1"/>
+          </p:cNvPicPr>
+          <p:nvPr/>
+        </p:nvPicPr>
+        <p:blipFill>
+          <a:blip r:embed="rId13" cstate="print"/>
+          <a:stretch>
+            <a:fillRect/>
+          </a:stretch>
+        </p:blipFill>
+        <p:spPr>
+          <a:xfrm>
+            <a:off x="755576" y="3784079"/>
+            <a:ext cx="619125" cy="533400"/>
+          </a:xfrm>
+          <a:prstGeom prst="rect">
+            <a:avLst/>
+          </a:prstGeom>
+        </p:spPr>
+      </p:pic>
+      <p:pic>
+        <p:nvPicPr>
+          <p:cNvPr id="20" name="그림 19" descr="icon_비행기.png"/>
+          <p:cNvPicPr>
+            <a:picLocks noChangeAspect="1"/>
+          </p:cNvPicPr>
+          <p:nvPr/>
+        </p:nvPicPr>
+        <p:blipFill>
+          <a:blip r:embed="rId14" cstate="print"/>
+          <a:stretch>
+            <a:fillRect/>
+          </a:stretch>
+        </p:blipFill>
+        <p:spPr>
+          <a:xfrm>
+            <a:off x="2195736" y="3794373"/>
+            <a:ext cx="619125" cy="533400"/>
+          </a:xfrm>
+          <a:prstGeom prst="rect">
+            <a:avLst/>
+          </a:prstGeom>
+        </p:spPr>
+      </p:pic>
+      <p:pic>
+        <p:nvPicPr>
+          <p:cNvPr id="21" name="그림 20" descr="icon_편지.png"/>
+          <p:cNvPicPr>
+            <a:picLocks noChangeAspect="1"/>
+          </p:cNvPicPr>
+          <p:nvPr/>
+        </p:nvPicPr>
+        <p:blipFill>
+          <a:blip r:embed="rId15" cstate="print"/>
+          <a:stretch>
+            <a:fillRect/>
+          </a:stretch>
+        </p:blipFill>
+        <p:spPr>
+          <a:xfrm>
+            <a:off x="7634436" y="1772816"/>
+            <a:ext cx="619125" cy="533400"/>
+          </a:xfrm>
+          <a:prstGeom prst="rect">
+            <a:avLst/>
+          </a:prstGeom>
+        </p:spPr>
+      </p:pic>
+      <p:pic>
+        <p:nvPicPr>
+          <p:cNvPr id="22" name="그림 21" descr="icon_집.png"/>
+          <p:cNvPicPr>
+            <a:picLocks noChangeAspect="1"/>
+          </p:cNvPicPr>
+          <p:nvPr/>
+        </p:nvPicPr>
+        <p:blipFill>
+          <a:blip r:embed="rId16" cstate="print"/>
+          <a:stretch>
+            <a:fillRect/>
+          </a:stretch>
+        </p:blipFill>
+        <p:spPr>
+          <a:xfrm>
+            <a:off x="7706444" y="2761878"/>
+            <a:ext cx="619125" cy="533400"/>
+          </a:xfrm>
+          <a:prstGeom prst="rect">
+            <a:avLst/>
+          </a:prstGeom>
+        </p:spPr>
+      </p:pic>
+      <p:pic>
+        <p:nvPicPr>
+          <p:cNvPr id="23" name="그림 22" descr="icon_자동차.png"/>
+          <p:cNvPicPr>
+            <a:picLocks noChangeAspect="1"/>
+          </p:cNvPicPr>
+          <p:nvPr/>
+        </p:nvPicPr>
+        <p:blipFill>
+          <a:blip r:embed="rId17" cstate="print"/>
+          <a:stretch>
+            <a:fillRect/>
+          </a:stretch>
+        </p:blipFill>
+        <p:spPr>
+          <a:xfrm>
+            <a:off x="7706444" y="3760465"/>
+            <a:ext cx="619125" cy="533400"/>
+          </a:xfrm>
+          <a:prstGeom prst="rect">
+            <a:avLst/>
+          </a:prstGeom>
+        </p:spPr>
+      </p:pic>
+      <p:pic>
+        <p:nvPicPr>
+          <p:cNvPr id="24" name="그림 23" descr="icon_핸드폰.png"/>
+          <p:cNvPicPr>
+            <a:picLocks noChangeAspect="1"/>
+          </p:cNvPicPr>
+          <p:nvPr/>
+        </p:nvPicPr>
+        <p:blipFill>
+          <a:blip r:embed="rId18" cstate="print"/>
+          <a:stretch>
+            <a:fillRect/>
+          </a:stretch>
+        </p:blipFill>
+        <p:spPr>
+          <a:xfrm>
+            <a:off x="7749877" y="4778102"/>
+            <a:ext cx="619125" cy="533400"/>
+          </a:xfrm>
+          <a:prstGeom prst="rect">
+            <a:avLst/>
+          </a:prstGeom>
+        </p:spPr>
+      </p:pic>
+      <p:pic>
+        <p:nvPicPr>
+          <p:cNvPr id="25" name="그림 24" descr="icon_메모.png"/>
+          <p:cNvPicPr>
+            <a:picLocks noChangeAspect="1"/>
+          </p:cNvPicPr>
+          <p:nvPr/>
+        </p:nvPicPr>
+        <p:blipFill>
+          <a:blip r:embed="rId19" cstate="print"/>
+          <a:stretch>
+            <a:fillRect/>
+          </a:stretch>
+        </p:blipFill>
+        <p:spPr>
+          <a:xfrm>
+            <a:off x="7768927" y="5786214"/>
+            <a:ext cx="619125" cy="533400"/>
+          </a:xfrm>
+          <a:prstGeom prst="rect">
+            <a:avLst/>
+          </a:prstGeom>
+        </p:spPr>
+      </p:pic>
+      <p:pic>
+        <p:nvPicPr>
+          <p:cNvPr id="26" name="그림 25" descr="icon_물음표.png"/>
+          <p:cNvPicPr>
+            <a:picLocks noChangeAspect="1"/>
+          </p:cNvPicPr>
+          <p:nvPr/>
+        </p:nvPicPr>
+        <p:blipFill>
+          <a:blip r:embed="rId20" cstate="print"/>
+          <a:stretch>
+            <a:fillRect/>
+          </a:stretch>
+        </p:blipFill>
+        <p:spPr>
+          <a:xfrm>
+            <a:off x="3563888" y="3789040"/>
+            <a:ext cx="619125" cy="533400"/>
+          </a:xfrm>
+          <a:prstGeom prst="rect">
+            <a:avLst/>
+          </a:prstGeom>
+        </p:spPr>
+      </p:pic>
+      <p:pic>
+        <p:nvPicPr>
+          <p:cNvPr id="27" name="그림 26" descr="icon_느낌표.png"/>
+          <p:cNvPicPr>
+            <a:picLocks noChangeAspect="1"/>
+          </p:cNvPicPr>
+          <p:nvPr/>
+        </p:nvPicPr>
+        <p:blipFill>
+          <a:blip r:embed="rId21" cstate="print"/>
+          <a:stretch>
+            <a:fillRect/>
+          </a:stretch>
+        </p:blipFill>
+        <p:spPr>
+          <a:xfrm>
+            <a:off x="5004048" y="3774268"/>
+            <a:ext cx="619125" cy="533400"/>
+          </a:xfrm>
+          <a:prstGeom prst="rect">
+            <a:avLst/>
+          </a:prstGeom>
+        </p:spPr>
+      </p:pic>
+      <p:pic>
+        <p:nvPicPr>
+          <p:cNvPr id="28" name="그림 27" descr="icon_야구.png"/>
+          <p:cNvPicPr>
+            <a:picLocks noChangeAspect="1"/>
+          </p:cNvPicPr>
+          <p:nvPr/>
+        </p:nvPicPr>
+        <p:blipFill>
+          <a:blip r:embed="rId22" cstate="print"/>
+          <a:stretch>
+            <a:fillRect/>
+          </a:stretch>
+        </p:blipFill>
+        <p:spPr>
+          <a:xfrm>
+            <a:off x="6401147" y="3789040"/>
+            <a:ext cx="619125" cy="533400"/>
+          </a:xfrm>
+          <a:prstGeom prst="rect">
+            <a:avLst/>
+          </a:prstGeom>
+        </p:spPr>
+      </p:pic>
+      <p:pic>
+        <p:nvPicPr>
+          <p:cNvPr id="29" name="그림 28" descr="icon_화살표좌.png"/>
+          <p:cNvPicPr>
+            <a:picLocks noChangeAspect="1"/>
+          </p:cNvPicPr>
+          <p:nvPr/>
+        </p:nvPicPr>
+        <p:blipFill>
+          <a:blip r:embed="rId23" cstate="print"/>
+          <a:stretch>
+            <a:fillRect/>
+          </a:stretch>
+        </p:blipFill>
+        <p:spPr>
+          <a:xfrm>
+            <a:off x="746051" y="4811241"/>
+            <a:ext cx="619125" cy="533400"/>
+          </a:xfrm>
+          <a:prstGeom prst="rect">
+            <a:avLst/>
+          </a:prstGeom>
+        </p:spPr>
+      </p:pic>
+      <p:pic>
+        <p:nvPicPr>
+          <p:cNvPr id="30" name="그림 29" descr="icon_화살표우.png"/>
+          <p:cNvPicPr>
+            <a:picLocks noChangeAspect="1"/>
+          </p:cNvPicPr>
+          <p:nvPr/>
+        </p:nvPicPr>
+        <p:blipFill>
+          <a:blip r:embed="rId24" cstate="print"/>
+          <a:stretch>
+            <a:fillRect/>
+          </a:stretch>
+        </p:blipFill>
+        <p:spPr>
+          <a:xfrm>
+            <a:off x="2186211" y="4811241"/>
+            <a:ext cx="619125" cy="533400"/>
+          </a:xfrm>
+          <a:prstGeom prst="rect">
+            <a:avLst/>
+          </a:prstGeom>
+        </p:spPr>
+      </p:pic>
+      <p:pic>
+        <p:nvPicPr>
+          <p:cNvPr id="31" name="그림 30" descr="icon_음악.png"/>
+          <p:cNvPicPr>
+            <a:picLocks noChangeAspect="1"/>
+          </p:cNvPicPr>
+          <p:nvPr/>
+        </p:nvPicPr>
+        <p:blipFill>
+          <a:blip r:embed="rId25" cstate="print"/>
+          <a:stretch>
+            <a:fillRect/>
+          </a:stretch>
+        </p:blipFill>
+        <p:spPr>
+          <a:xfrm>
+            <a:off x="3554363" y="4811241"/>
+            <a:ext cx="619125" cy="533400"/>
+          </a:xfrm>
+          <a:prstGeom prst="rect">
+            <a:avLst/>
+          </a:prstGeom>
+        </p:spPr>
+      </p:pic>
+      <p:pic>
+        <p:nvPicPr>
+          <p:cNvPr id="32" name="그림 31" descr="icon_책.png"/>
+          <p:cNvPicPr>
+            <a:picLocks noChangeAspect="1"/>
+          </p:cNvPicPr>
+          <p:nvPr/>
+        </p:nvPicPr>
+        <p:blipFill>
+          <a:blip r:embed="rId26" cstate="print"/>
+          <a:stretch>
+            <a:fillRect/>
+          </a:stretch>
+        </p:blipFill>
+        <p:spPr>
+          <a:xfrm>
+            <a:off x="5023470" y="4811241"/>
+            <a:ext cx="619125" cy="533400"/>
+          </a:xfrm>
+          <a:prstGeom prst="rect">
+            <a:avLst/>
+          </a:prstGeom>
+        </p:spPr>
+      </p:pic>
+      <p:pic>
+        <p:nvPicPr>
+          <p:cNvPr id="33" name="그림 32" descr="icon_풍선.png"/>
+          <p:cNvPicPr>
+            <a:picLocks noChangeAspect="1"/>
+          </p:cNvPicPr>
+          <p:nvPr/>
+        </p:nvPicPr>
+        <p:blipFill>
+          <a:blip r:embed="rId27" cstate="print"/>
+          <a:stretch>
+            <a:fillRect/>
+          </a:stretch>
+        </p:blipFill>
+        <p:spPr>
+          <a:xfrm>
+            <a:off x="6391622" y="4789709"/>
+            <a:ext cx="619125" cy="533400"/>
+          </a:xfrm>
+          <a:prstGeom prst="rect">
+            <a:avLst/>
+          </a:prstGeom>
+        </p:spPr>
+      </p:pic>
+      <p:pic>
+        <p:nvPicPr>
+          <p:cNvPr id="34" name="그림 33" descr="icon_당근.png"/>
+          <p:cNvPicPr>
+            <a:picLocks noChangeAspect="1"/>
+          </p:cNvPicPr>
+          <p:nvPr/>
+        </p:nvPicPr>
+        <p:blipFill>
+          <a:blip r:embed="rId28" cstate="print"/>
+          <a:stretch>
+            <a:fillRect/>
+          </a:stretch>
+        </p:blipFill>
+        <p:spPr>
+          <a:xfrm>
+            <a:off x="674043" y="5733628"/>
+            <a:ext cx="733425" cy="619125"/>
+          </a:xfrm>
+          <a:prstGeom prst="rect">
+            <a:avLst/>
+          </a:prstGeom>
+        </p:spPr>
+      </p:pic>
+      <p:pic>
+        <p:nvPicPr>
+          <p:cNvPr id="35" name="그림 34" descr="icon_사과.png"/>
+          <p:cNvPicPr>
+            <a:picLocks noChangeAspect="1"/>
+          </p:cNvPicPr>
+          <p:nvPr/>
+        </p:nvPicPr>
+        <p:blipFill>
+          <a:blip r:embed="rId29" cstate="print"/>
+          <a:stretch>
+            <a:fillRect/>
+          </a:stretch>
+        </p:blipFill>
+        <p:spPr>
+          <a:xfrm>
+            <a:off x="2114203" y="5757639"/>
+            <a:ext cx="733425" cy="619125"/>
+          </a:xfrm>
+          <a:prstGeom prst="rect">
+            <a:avLst/>
+          </a:prstGeom>
+        </p:spPr>
+      </p:pic>
+      <p:pic>
+        <p:nvPicPr>
+          <p:cNvPr id="36" name="그림 35" descr="icon_배.png"/>
+          <p:cNvPicPr>
+            <a:picLocks noChangeAspect="1"/>
+          </p:cNvPicPr>
+          <p:nvPr/>
+        </p:nvPicPr>
+        <p:blipFill>
+          <a:blip r:embed="rId30" cstate="print"/>
+          <a:stretch>
+            <a:fillRect/>
+          </a:stretch>
+        </p:blipFill>
+        <p:spPr>
+          <a:xfrm>
+            <a:off x="3482355" y="5786586"/>
+            <a:ext cx="733425" cy="619125"/>
+          </a:xfrm>
+          <a:prstGeom prst="rect">
+            <a:avLst/>
+          </a:prstGeom>
+        </p:spPr>
+      </p:pic>
+      <p:pic>
+        <p:nvPicPr>
+          <p:cNvPr id="37" name="그림 36" descr="icon_옷.png"/>
+          <p:cNvPicPr>
+            <a:picLocks noChangeAspect="1"/>
+          </p:cNvPicPr>
+          <p:nvPr/>
+        </p:nvPicPr>
+        <p:blipFill>
+          <a:blip r:embed="rId31" cstate="print"/>
+          <a:stretch>
+            <a:fillRect/>
+          </a:stretch>
+        </p:blipFill>
+        <p:spPr>
+          <a:xfrm>
+            <a:off x="4994523" y="5781253"/>
+            <a:ext cx="676275" cy="571500"/>
+          </a:xfrm>
+          <a:prstGeom prst="rect">
+            <a:avLst/>
+          </a:prstGeom>
+        </p:spPr>
+      </p:pic>
+      <p:pic>
+        <p:nvPicPr>
+          <p:cNvPr id="38" name="그림 37" descr="icon_빗방울.png"/>
+          <p:cNvPicPr>
+            <a:picLocks noChangeAspect="1"/>
+          </p:cNvPicPr>
+          <p:nvPr/>
+        </p:nvPicPr>
+        <p:blipFill>
+          <a:blip r:embed="rId32" cstate="print"/>
+          <a:stretch>
+            <a:fillRect/>
+          </a:stretch>
+        </p:blipFill>
+        <p:spPr>
+          <a:xfrm>
+            <a:off x="6406480" y="5743153"/>
+            <a:ext cx="676275" cy="590550"/>
+          </a:xfrm>
+          <a:prstGeom prst="rect">
+            <a:avLst/>
+          </a:prstGeom>
+        </p:spPr>
+      </p:pic>
     </p:spTree>
   </p:cSld>
   <p:clrMapOvr>
@@ -8075,6 +8371,122 @@
       </p:pic>
       <p:graphicFrame>
         <p:nvGraphicFramePr>
+          <p:cNvPr id="39" name="다이어그램 38"/>
+          <p:cNvGraphicFramePr/>
+          <p:nvPr/>
+        </p:nvGraphicFramePr>
+        <p:xfrm>
+          <a:off x="1547664" y="2060848"/>
+          <a:ext cx="6096000" cy="4064000"/>
+        </p:xfrm>
+        <a:graphic>
+          <a:graphicData uri="http://schemas.openxmlformats.org/drawingml/2006/diagram">
+            <dgm:relIds xmlns:dgm="http://schemas.openxmlformats.org/drawingml/2006/diagram" xmlns:r="http://schemas.openxmlformats.org/officeDocument/2006/relationships" r:dm="rId3" r:lo="rId4" r:qs="rId5" r:cs="rId6"/>
+          </a:graphicData>
+        </a:graphic>
+      </p:graphicFrame>
+    </p:spTree>
+  </p:cSld>
+  <p:clrMapOvr>
+    <a:masterClrMapping/>
+  </p:clrMapOvr>
+</p:sld>
+</file>
+
+<file path=ppt/slides/slide15.xml><?xml version="1.0" encoding="utf-8"?>
+<p:sld xmlns:a="http://schemas.openxmlformats.org/drawingml/2006/main" xmlns:r="http://schemas.openxmlformats.org/officeDocument/2006/relationships" xmlns:p="http://schemas.openxmlformats.org/presentationml/2006/main" show="0">
+  <p:cSld>
+    <p:spTree>
+      <p:nvGrpSpPr>
+        <p:cNvPr id="1" name=""/>
+        <p:cNvGrpSpPr/>
+        <p:nvPr/>
+      </p:nvGrpSpPr>
+      <p:grpSpPr>
+        <a:xfrm>
+          <a:off x="0" y="0"/>
+          <a:ext cx="0" cy="0"/>
+          <a:chOff x="0" y="0"/>
+          <a:chExt cx="0" cy="0"/>
+        </a:xfrm>
+      </p:grpSpPr>
+      <p:sp>
+        <p:nvSpPr>
+          <p:cNvPr id="5" name="TextBox 4"/>
+          <p:cNvSpPr txBox="1"/>
+          <p:nvPr/>
+        </p:nvSpPr>
+        <p:spPr>
+          <a:xfrm>
+            <a:off x="690876" y="620688"/>
+            <a:ext cx="5105260" cy="800219"/>
+          </a:xfrm>
+          <a:prstGeom prst="rect">
+            <a:avLst/>
+          </a:prstGeom>
+          <a:noFill/>
+        </p:spPr>
+        <p:txBody>
+          <a:bodyPr wrap="square">
+            <a:spAutoFit/>
+          </a:bodyPr>
+          <a:lstStyle/>
+          <a:p>
+            <a:pPr fontAlgn="auto">
+              <a:spcBef>
+                <a:spcPts val="0"/>
+              </a:spcBef>
+              <a:spcAft>
+                <a:spcPts val="0"/>
+              </a:spcAft>
+              <a:defRPr/>
+            </a:pPr>
+            <a:r>
+              <a:rPr kumimoji="0" lang="ko-KR" altLang="en-US" sz="4600" spc="-150" dirty="0">
+                <a:solidFill>
+                  <a:schemeClr val="bg1"/>
+                </a:solidFill>
+                <a:latin typeface="나눔손글씨 펜" pitchFamily="66" charset="-127"/>
+                <a:ea typeface="나눔손글씨 펜" pitchFamily="66" charset="-127"/>
+              </a:rPr>
+              <a:t>차트 예시</a:t>
+            </a:r>
+            <a:endParaRPr kumimoji="0" lang="en-US" altLang="ko-KR" sz="4600" spc="-150" dirty="0">
+              <a:solidFill>
+                <a:schemeClr val="bg1"/>
+              </a:solidFill>
+              <a:latin typeface="나눔손글씨 펜" pitchFamily="66" charset="-127"/>
+              <a:ea typeface="나눔손글씨 펜" pitchFamily="66" charset="-127"/>
+            </a:endParaRPr>
+          </a:p>
+        </p:txBody>
+      </p:sp>
+      <p:pic>
+        <p:nvPicPr>
+          <p:cNvPr id="12" name="그림 11" descr="분필제목라인.png"/>
+          <p:cNvPicPr>
+            <a:picLocks noChangeAspect="1"/>
+          </p:cNvPicPr>
+          <p:nvPr/>
+        </p:nvPicPr>
+        <p:blipFill>
+          <a:blip r:embed="rId2" cstate="print"/>
+          <a:stretch>
+            <a:fillRect/>
+          </a:stretch>
+        </p:blipFill>
+        <p:spPr>
+          <a:xfrm>
+            <a:off x="538162" y="1303809"/>
+            <a:ext cx="8067675" cy="180975"/>
+          </a:xfrm>
+          <a:prstGeom prst="rect">
+            <a:avLst/>
+          </a:prstGeom>
+        </p:spPr>
+      </p:pic>
+      <p:graphicFrame>
+        <p:nvGraphicFramePr>
           <p:cNvPr id="7" name="차트 6"/>
           <p:cNvGraphicFramePr/>
           <p:nvPr/>
@@ -8097,7 +8509,7 @@
 </p:sld>
 </file>
 
-<file path=ppt/slides/slide15.xml><?xml version="1.0" encoding="utf-8"?>
+<file path=ppt/slides/slide16.xml><?xml version="1.0" encoding="utf-8"?>
 <p:sld xmlns:a="http://schemas.openxmlformats.org/drawingml/2006/main" xmlns:r="http://schemas.openxmlformats.org/officeDocument/2006/relationships" xmlns:p="http://schemas.openxmlformats.org/presentationml/2006/main" show="0">
   <p:cSld>
     <p:spTree>
@@ -12036,7 +12448,7 @@
         <p:spPr>
           <a:xfrm>
             <a:off x="539551" y="1484784"/>
-            <a:ext cx="8066285" cy="5816977"/>
+            <a:ext cx="8066285" cy="5047536"/>
           </a:xfrm>
           <a:prstGeom prst="rect">
             <a:avLst/>
@@ -12126,7 +12538,7 @@
                 <a:latin typeface="맑은 고딕" panose="020B0503020000020004" pitchFamily="50" charset="-127"/>
                 <a:ea typeface="맑은 고딕" panose="020B0503020000020004" pitchFamily="50" charset="-127"/>
               </a:rPr>
-              <a:t>큰 수 만들기</a:t>
+              <a:t>택배</a:t>
             </a:r>
             <a:endParaRPr lang="en-US" altLang="ko-KR" sz="2600" dirty="0">
               <a:solidFill>
@@ -12153,7 +12565,7 @@
                 <a:ea typeface="맑은 고딕" panose="020B0503020000020004" pitchFamily="50" charset="-127"/>
                 <a:hlinkClick r:id="rId5"/>
               </a:rPr>
-              <a:t>https://programmers.co.kr/learn/courses/30/lessons/42883?language=cpp</a:t>
+              <a:t>https://www.acmicpc.net/problem/8980</a:t>
             </a:r>
             <a:endParaRPr lang="en-US" altLang="ko-KR" sz="2400" dirty="0">
               <a:solidFill>
@@ -12169,6 +12581,72 @@
               <a:buBlip>
                 <a:blip r:embed="rId3"/>
               </a:buBlip>
+              <a:defRPr/>
+            </a:pPr>
+            <a:endParaRPr lang="en-US" altLang="ko-KR" sz="2400" dirty="0">
+              <a:solidFill>
+                <a:schemeClr val="bg1"/>
+              </a:solidFill>
+              <a:latin typeface="맑은 고딕" panose="020B0503020000020004" pitchFamily="50" charset="-127"/>
+              <a:ea typeface="맑은 고딕" panose="020B0503020000020004" pitchFamily="50" charset="-127"/>
+            </a:endParaRPr>
+          </a:p>
+          <a:p>
+            <a:pPr marL="514350" indent="-514350">
+              <a:buSzPct val="80000"/>
+              <a:buBlip>
+                <a:blip r:embed="rId3"/>
+              </a:buBlip>
+              <a:defRPr/>
+            </a:pPr>
+            <a:r>
+              <a:rPr lang="ko-KR" altLang="en-US" sz="2600" dirty="0">
+                <a:solidFill>
+                  <a:schemeClr val="bg1"/>
+                </a:solidFill>
+                <a:latin typeface="맑은 고딕" panose="020B0503020000020004" pitchFamily="50" charset="-127"/>
+                <a:ea typeface="맑은 고딕" panose="020B0503020000020004" pitchFamily="50" charset="-127"/>
+              </a:rPr>
+              <a:t>큰 수 만들기</a:t>
+            </a:r>
+            <a:endParaRPr lang="en-US" altLang="ko-KR" sz="2600" dirty="0">
+              <a:solidFill>
+                <a:schemeClr val="bg1"/>
+              </a:solidFill>
+              <a:latin typeface="맑은 고딕" panose="020B0503020000020004" pitchFamily="50" charset="-127"/>
+              <a:ea typeface="맑은 고딕" panose="020B0503020000020004" pitchFamily="50" charset="-127"/>
+            </a:endParaRPr>
+          </a:p>
+          <a:p>
+            <a:pPr marL="971550" lvl="1" indent="-514350">
+              <a:buSzPct val="80000"/>
+              <a:buBlip>
+                <a:blip r:embed="rId3"/>
+              </a:buBlip>
+              <a:defRPr/>
+            </a:pPr>
+            <a:r>
+              <a:rPr lang="en-US" altLang="ko-KR" sz="2400" dirty="0">
+                <a:solidFill>
+                  <a:schemeClr val="bg1"/>
+                </a:solidFill>
+                <a:latin typeface="맑은 고딕" panose="020B0503020000020004" pitchFamily="50" charset="-127"/>
+                <a:ea typeface="맑은 고딕" panose="020B0503020000020004" pitchFamily="50" charset="-127"/>
+                <a:hlinkClick r:id="rId6"/>
+              </a:rPr>
+              <a:t>https://programmers.co.kr/learn/courses/30/lessons/42883?language=cpp</a:t>
+            </a:r>
+            <a:endParaRPr lang="en-US" altLang="ko-KR" sz="2400" dirty="0">
+              <a:solidFill>
+                <a:schemeClr val="bg1"/>
+              </a:solidFill>
+              <a:latin typeface="맑은 고딕" panose="020B0503020000020004" pitchFamily="50" charset="-127"/>
+              <a:ea typeface="맑은 고딕" panose="020B0503020000020004" pitchFamily="50" charset="-127"/>
+            </a:endParaRPr>
+          </a:p>
+          <a:p>
+            <a:pPr lvl="1">
+              <a:buSzPct val="80000"/>
               <a:defRPr/>
             </a:pPr>
             <a:endParaRPr lang="en-US" altLang="ko-KR" sz="2600" dirty="0">
@@ -12188,16 +12666,16 @@
               <a:defRPr/>
             </a:pPr>
             <a:r>
-              <a:rPr lang="ko-KR" altLang="en-US" sz="2400" dirty="0">
+              <a:rPr lang="ko-KR" altLang="en-US" sz="2600" dirty="0">
                 <a:solidFill>
                   <a:schemeClr val="bg1"/>
                 </a:solidFill>
                 <a:latin typeface="맑은 고딕" panose="020B0503020000020004" pitchFamily="50" charset="-127"/>
                 <a:ea typeface="맑은 고딕" panose="020B0503020000020004" pitchFamily="50" charset="-127"/>
               </a:rPr>
-              <a:t>문제 풀이</a:t>
-            </a:r>
-            <a:endParaRPr lang="en-US" altLang="ko-KR" sz="2400" dirty="0">
+              <a:t>구명보트</a:t>
+            </a:r>
+            <a:endParaRPr lang="en-US" altLang="ko-KR" sz="2600" dirty="0">
               <a:solidFill>
                 <a:schemeClr val="bg1"/>
               </a:solidFill>
@@ -12220,9 +12698,9 @@
                 </a:solidFill>
                 <a:latin typeface="맑은 고딕" panose="020B0503020000020004" pitchFamily="50" charset="-127"/>
                 <a:ea typeface="맑은 고딕" panose="020B0503020000020004" pitchFamily="50" charset="-127"/>
-                <a:hlinkClick r:id="rId6"/>
-              </a:rPr>
-              <a:t>https://github.com/wonny-Jo/algorithm/tree/master/%EC%95%8C%EA%B3%A0%EB%A6%AC%EC%A6%98%20%EC%A0%95%EB%A6%AC/%EA%B7%B8%EB%A6%AC%EB%94%94%20%EC%95%8C%EA%B3%A0%EB%A6%AC%EC%A6%98/%EB%AC%B8%EC%A0%9C%ED%92%80%EC%9D%B4</a:t>
+                <a:hlinkClick r:id="rId7"/>
+              </a:rPr>
+              <a:t>https://programmers.co.kr/learn/courses/30/lessons/42885</a:t>
             </a:r>
             <a:endParaRPr lang="en-US" altLang="ko-KR" sz="2400" dirty="0">
               <a:solidFill>
@@ -12264,9 +12742,80 @@
           <a:chExt cx="0" cy="0"/>
         </a:xfrm>
       </p:grpSpPr>
+      <p:sp>
+        <p:nvSpPr>
+          <p:cNvPr id="5" name="TextBox 4"/>
+          <p:cNvSpPr txBox="1"/>
+          <p:nvPr/>
+        </p:nvSpPr>
+        <p:spPr>
+          <a:xfrm>
+            <a:off x="690876" y="692696"/>
+            <a:ext cx="7121484" cy="646331"/>
+          </a:xfrm>
+          <a:prstGeom prst="rect">
+            <a:avLst/>
+          </a:prstGeom>
+          <a:noFill/>
+        </p:spPr>
+        <p:txBody>
+          <a:bodyPr wrap="square">
+            <a:spAutoFit/>
+          </a:bodyPr>
+          <a:lstStyle/>
+          <a:p>
+            <a:pPr fontAlgn="auto">
+              <a:spcBef>
+                <a:spcPts val="0"/>
+              </a:spcBef>
+              <a:spcAft>
+                <a:spcPts val="0"/>
+              </a:spcAft>
+              <a:defRPr/>
+            </a:pPr>
+            <a:r>
+              <a:rPr lang="en-US" altLang="ko-KR" sz="3600" spc="-150" dirty="0">
+                <a:solidFill>
+                  <a:schemeClr val="bg1"/>
+                </a:solidFill>
+                <a:latin typeface="맑은 고딕" panose="020B0503020000020004" pitchFamily="50" charset="-127"/>
+                <a:ea typeface="맑은 고딕" panose="020B0503020000020004" pitchFamily="50" charset="-127"/>
+              </a:rPr>
+              <a:t>3. </a:t>
+            </a:r>
+            <a:r>
+              <a:rPr lang="ko-KR" altLang="en-US" sz="3600" spc="-150" dirty="0" err="1">
+                <a:solidFill>
+                  <a:schemeClr val="bg1"/>
+                </a:solidFill>
+                <a:latin typeface="맑은 고딕" panose="020B0503020000020004" pitchFamily="50" charset="-127"/>
+                <a:ea typeface="맑은 고딕" panose="020B0503020000020004" pitchFamily="50" charset="-127"/>
+              </a:rPr>
+              <a:t>그리디</a:t>
+            </a:r>
+            <a:r>
+              <a:rPr lang="ko-KR" altLang="en-US" sz="3600" spc="-150" dirty="0">
+                <a:solidFill>
+                  <a:schemeClr val="bg1"/>
+                </a:solidFill>
+                <a:latin typeface="맑은 고딕" panose="020B0503020000020004" pitchFamily="50" charset="-127"/>
+                <a:ea typeface="맑은 고딕" panose="020B0503020000020004" pitchFamily="50" charset="-127"/>
+              </a:rPr>
+              <a:t> 알고리즘의 문제 풀이</a:t>
+            </a:r>
+            <a:endParaRPr kumimoji="0" lang="en-US" altLang="ko-KR" sz="3600" spc="-150" dirty="0">
+              <a:solidFill>
+                <a:schemeClr val="bg1"/>
+              </a:solidFill>
+              <a:latin typeface="맑은 고딕" panose="020B0503020000020004" pitchFamily="50" charset="-127"/>
+              <a:ea typeface="맑은 고딕" panose="020B0503020000020004" pitchFamily="50" charset="-127"/>
+            </a:endParaRPr>
+          </a:p>
+        </p:txBody>
+      </p:sp>
       <p:pic>
         <p:nvPicPr>
-          <p:cNvPr id="8" name="그림 7" descr="참잘했어요.png"/>
+          <p:cNvPr id="12" name="그림 11" descr="분필제목라인.png"/>
           <p:cNvPicPr>
             <a:picLocks noChangeAspect="1"/>
           </p:cNvPicPr>
@@ -12280,15 +12829,96 @@
         </p:blipFill>
         <p:spPr>
           <a:xfrm>
-            <a:off x="2952750" y="1800225"/>
-            <a:ext cx="3238500" cy="3257550"/>
+            <a:off x="538162" y="1303809"/>
+            <a:ext cx="8067675" cy="180975"/>
           </a:xfrm>
           <a:prstGeom prst="rect">
             <a:avLst/>
           </a:prstGeom>
         </p:spPr>
       </p:pic>
+      <p:sp>
+        <p:nvSpPr>
+          <p:cNvPr id="6" name="TextBox 5"/>
+          <p:cNvSpPr txBox="1"/>
+          <p:nvPr/>
+        </p:nvSpPr>
+        <p:spPr>
+          <a:xfrm>
+            <a:off x="539551" y="1484784"/>
+            <a:ext cx="8066285" cy="3046988"/>
+          </a:xfrm>
+          <a:prstGeom prst="rect">
+            <a:avLst/>
+          </a:prstGeom>
+          <a:noFill/>
+        </p:spPr>
+        <p:txBody>
+          <a:bodyPr wrap="square">
+            <a:spAutoFit/>
+          </a:bodyPr>
+          <a:lstStyle/>
+          <a:p>
+            <a:pPr marL="514350" indent="-514350">
+              <a:buSzPct val="80000"/>
+              <a:buBlip>
+                <a:blip r:embed="rId3"/>
+              </a:buBlip>
+              <a:defRPr/>
+            </a:pPr>
+            <a:r>
+              <a:rPr lang="ko-KR" altLang="en-US" sz="2400" dirty="0">
+                <a:solidFill>
+                  <a:schemeClr val="bg1"/>
+                </a:solidFill>
+                <a:latin typeface="맑은 고딕" panose="020B0503020000020004" pitchFamily="50" charset="-127"/>
+                <a:ea typeface="맑은 고딕" panose="020B0503020000020004" pitchFamily="50" charset="-127"/>
+              </a:rPr>
+              <a:t>문제 풀이</a:t>
+            </a:r>
+            <a:endParaRPr lang="en-US" altLang="ko-KR" sz="2400" dirty="0">
+              <a:solidFill>
+                <a:schemeClr val="bg1"/>
+              </a:solidFill>
+              <a:latin typeface="맑은 고딕" panose="020B0503020000020004" pitchFamily="50" charset="-127"/>
+              <a:ea typeface="맑은 고딕" panose="020B0503020000020004" pitchFamily="50" charset="-127"/>
+            </a:endParaRPr>
+          </a:p>
+          <a:p>
+            <a:pPr marL="971550" lvl="1" indent="-514350">
+              <a:buSzPct val="80000"/>
+              <a:buBlip>
+                <a:blip r:embed="rId3"/>
+              </a:buBlip>
+              <a:defRPr/>
+            </a:pPr>
+            <a:r>
+              <a:rPr lang="en-US" altLang="ko-KR" sz="2400" dirty="0">
+                <a:solidFill>
+                  <a:schemeClr val="bg1"/>
+                </a:solidFill>
+                <a:latin typeface="맑은 고딕" panose="020B0503020000020004" pitchFamily="50" charset="-127"/>
+                <a:ea typeface="맑은 고딕" panose="020B0503020000020004" pitchFamily="50" charset="-127"/>
+                <a:hlinkClick r:id="rId4"/>
+              </a:rPr>
+              <a:t>https://github.com/wonny-Jo/algorithm/tree/master/%EC%95%8C%EA%B3%A0%EB%A6%AC%EC%A6%98%20%EC%A0%95%EB%A6%AC/%EA%B7%B8%EB%A6%AC%EB%94%94%20%EC%95%8C%EA%B3%A0%EB%A6%AC%EC%A6%98/%EB%AC%B8%EC%A0%9C%ED%92%80%EC%9D%B4</a:t>
+            </a:r>
+            <a:endParaRPr lang="en-US" altLang="ko-KR" sz="2400" dirty="0">
+              <a:solidFill>
+                <a:schemeClr val="bg1"/>
+              </a:solidFill>
+              <a:latin typeface="맑은 고딕" panose="020B0503020000020004" pitchFamily="50" charset="-127"/>
+              <a:ea typeface="맑은 고딕" panose="020B0503020000020004" pitchFamily="50" charset="-127"/>
+            </a:endParaRPr>
+          </a:p>
+        </p:txBody>
+      </p:sp>
     </p:spTree>
+    <p:extLst>
+      <p:ext uri="{BB962C8B-B14F-4D97-AF65-F5344CB8AC3E}">
+        <p14:creationId xmlns:p14="http://schemas.microsoft.com/office/powerpoint/2010/main" val="229953393"/>
+      </p:ext>
+    </p:extLst>
   </p:cSld>
   <p:clrMapOvr>
     <a:masterClrMapping/>
@@ -12297,7 +12927,7 @@
 </file>
 
 <file path=ppt/slides/slide8.xml><?xml version="1.0" encoding="utf-8"?>
-<p:sld xmlns:a="http://schemas.openxmlformats.org/drawingml/2006/main" xmlns:r="http://schemas.openxmlformats.org/officeDocument/2006/relationships" xmlns:p="http://schemas.openxmlformats.org/presentationml/2006/main" show="0">
+<p:sld xmlns:a="http://schemas.openxmlformats.org/drawingml/2006/main" xmlns:r="http://schemas.openxmlformats.org/officeDocument/2006/relationships" xmlns:p="http://schemas.openxmlformats.org/presentationml/2006/main">
   <p:cSld>
     <p:spTree>
       <p:nvGrpSpPr>
@@ -12313,359 +12943,30 @@
           <a:chExt cx="0" cy="0"/>
         </a:xfrm>
       </p:grpSpPr>
-      <p:sp>
-        <p:nvSpPr>
-          <p:cNvPr id="5" name="TextBox 4"/>
-          <p:cNvSpPr txBox="1"/>
-          <p:nvPr/>
-        </p:nvSpPr>
-        <p:spPr>
-          <a:xfrm>
-            <a:off x="690876" y="620688"/>
-            <a:ext cx="5105260" cy="800219"/>
-          </a:xfrm>
-          <a:prstGeom prst="rect">
-            <a:avLst/>
-          </a:prstGeom>
-          <a:noFill/>
-        </p:spPr>
-        <p:txBody>
-          <a:bodyPr wrap="square">
-            <a:spAutoFit/>
-          </a:bodyPr>
-          <a:lstStyle/>
-          <a:p>
-            <a:pPr fontAlgn="auto">
-              <a:spcBef>
-                <a:spcPts val="0"/>
-              </a:spcBef>
-              <a:spcAft>
-                <a:spcPts val="0"/>
-              </a:spcAft>
-              <a:defRPr/>
-            </a:pPr>
-            <a:r>
-              <a:rPr lang="en-US" altLang="ko-KR" sz="4600" spc="-150" dirty="0">
-                <a:solidFill>
-                  <a:schemeClr val="bg1"/>
-                </a:solidFill>
-                <a:latin typeface="맑은 고딕" panose="020B0503020000020004" pitchFamily="50" charset="-127"/>
-                <a:ea typeface="맑은 고딕" panose="020B0503020000020004" pitchFamily="50" charset="-127"/>
-              </a:rPr>
-              <a:t>1. </a:t>
-            </a:r>
-            <a:r>
-              <a:rPr kumimoji="0" lang="ko-KR" altLang="en-US" sz="4600" spc="-150" dirty="0">
-                <a:solidFill>
-                  <a:schemeClr val="bg1"/>
-                </a:solidFill>
-                <a:latin typeface="맑은 고딕" panose="020B0503020000020004" pitchFamily="50" charset="-127"/>
-                <a:ea typeface="맑은 고딕" panose="020B0503020000020004" pitchFamily="50" charset="-127"/>
-              </a:rPr>
-              <a:t>제목</a:t>
-            </a:r>
-            <a:endParaRPr kumimoji="0" lang="en-US" altLang="ko-KR" sz="4600" spc="-150" dirty="0">
-              <a:solidFill>
-                <a:schemeClr val="bg1"/>
-              </a:solidFill>
-              <a:latin typeface="맑은 고딕" panose="020B0503020000020004" pitchFamily="50" charset="-127"/>
-              <a:ea typeface="맑은 고딕" panose="020B0503020000020004" pitchFamily="50" charset="-127"/>
-            </a:endParaRPr>
-          </a:p>
-        </p:txBody>
-      </p:sp>
-      <p:sp>
-        <p:nvSpPr>
-          <p:cNvPr id="9" name="TextBox 8"/>
-          <p:cNvSpPr txBox="1"/>
-          <p:nvPr/>
-        </p:nvSpPr>
-        <p:spPr>
-          <a:xfrm>
-            <a:off x="683568" y="2996952"/>
-            <a:ext cx="5256584" cy="1692771"/>
-          </a:xfrm>
-          <a:prstGeom prst="rect">
-            <a:avLst/>
-          </a:prstGeom>
-          <a:noFill/>
-        </p:spPr>
-        <p:txBody>
-          <a:bodyPr wrap="square">
-            <a:spAutoFit/>
-          </a:bodyPr>
-          <a:lstStyle/>
-          <a:p>
-            <a:pPr marL="514350" indent="-514350" fontAlgn="auto">
-              <a:spcBef>
-                <a:spcPts val="0"/>
-              </a:spcBef>
-              <a:spcAft>
-                <a:spcPts val="0"/>
-              </a:spcAft>
-              <a:buSzPct val="80000"/>
-              <a:buBlip>
-                <a:blip r:embed="rId2"/>
-              </a:buBlip>
-              <a:defRPr/>
-            </a:pPr>
-            <a:r>
-              <a:rPr lang="ko-KR" altLang="en-US" sz="2600" dirty="0">
-                <a:solidFill>
-                  <a:schemeClr val="bg1"/>
-                </a:solidFill>
-                <a:latin typeface="맑은 고딕" panose="020B0503020000020004" pitchFamily="50" charset="-127"/>
-                <a:ea typeface="맑은 고딕" panose="020B0503020000020004" pitchFamily="50" charset="-127"/>
-              </a:rPr>
-              <a:t>상세 내용 </a:t>
-            </a:r>
-            <a:r>
-              <a:rPr lang="en-US" altLang="ko-KR" sz="2600" dirty="0">
-                <a:solidFill>
-                  <a:schemeClr val="bg1"/>
-                </a:solidFill>
-                <a:latin typeface="맑은 고딕" panose="020B0503020000020004" pitchFamily="50" charset="-127"/>
-                <a:ea typeface="맑은 고딕" panose="020B0503020000020004" pitchFamily="50" charset="-127"/>
-              </a:rPr>
-              <a:t>1</a:t>
-            </a:r>
-          </a:p>
-          <a:p>
-            <a:pPr marL="514350" indent="-514350" fontAlgn="auto">
-              <a:spcBef>
-                <a:spcPts val="0"/>
-              </a:spcBef>
-              <a:spcAft>
-                <a:spcPts val="0"/>
-              </a:spcAft>
-              <a:buSzPct val="80000"/>
-              <a:buBlip>
-                <a:blip r:embed="rId2"/>
-              </a:buBlip>
-              <a:defRPr/>
-            </a:pPr>
-            <a:r>
-              <a:rPr lang="ko-KR" altLang="en-US" sz="2600" dirty="0">
-                <a:solidFill>
-                  <a:schemeClr val="bg1"/>
-                </a:solidFill>
-                <a:latin typeface="맑은 고딕" panose="020B0503020000020004" pitchFamily="50" charset="-127"/>
-                <a:ea typeface="맑은 고딕" panose="020B0503020000020004" pitchFamily="50" charset="-127"/>
-              </a:rPr>
-              <a:t>상세 내용 </a:t>
-            </a:r>
-            <a:r>
-              <a:rPr lang="en-US" altLang="ko-KR" sz="2600" dirty="0">
-                <a:solidFill>
-                  <a:schemeClr val="bg1"/>
-                </a:solidFill>
-                <a:latin typeface="맑은 고딕" panose="020B0503020000020004" pitchFamily="50" charset="-127"/>
-                <a:ea typeface="맑은 고딕" panose="020B0503020000020004" pitchFamily="50" charset="-127"/>
-              </a:rPr>
-              <a:t>2</a:t>
-            </a:r>
-          </a:p>
-          <a:p>
-            <a:pPr marL="514350" indent="-514350" fontAlgn="auto">
-              <a:spcBef>
-                <a:spcPts val="0"/>
-              </a:spcBef>
-              <a:spcAft>
-                <a:spcPts val="0"/>
-              </a:spcAft>
-              <a:buSzPct val="80000"/>
-              <a:buBlip>
-                <a:blip r:embed="rId2"/>
-              </a:buBlip>
-              <a:defRPr/>
-            </a:pPr>
-            <a:r>
-              <a:rPr lang="ko-KR" altLang="en-US" sz="2600" dirty="0">
-                <a:solidFill>
-                  <a:schemeClr val="bg1"/>
-                </a:solidFill>
-                <a:latin typeface="맑은 고딕" panose="020B0503020000020004" pitchFamily="50" charset="-127"/>
-                <a:ea typeface="맑은 고딕" panose="020B0503020000020004" pitchFamily="50" charset="-127"/>
-              </a:rPr>
-              <a:t>상세 내용 </a:t>
-            </a:r>
-            <a:r>
-              <a:rPr lang="en-US" altLang="ko-KR" sz="2600" dirty="0">
-                <a:solidFill>
-                  <a:schemeClr val="bg1"/>
-                </a:solidFill>
-                <a:latin typeface="맑은 고딕" panose="020B0503020000020004" pitchFamily="50" charset="-127"/>
-                <a:ea typeface="맑은 고딕" panose="020B0503020000020004" pitchFamily="50" charset="-127"/>
-              </a:rPr>
-              <a:t>3</a:t>
-            </a:r>
-          </a:p>
-          <a:p>
-            <a:pPr marL="514350" indent="-514350" fontAlgn="auto">
-              <a:spcBef>
-                <a:spcPts val="0"/>
-              </a:spcBef>
-              <a:spcAft>
-                <a:spcPts val="0"/>
-              </a:spcAft>
-              <a:buSzPct val="80000"/>
-              <a:buBlip>
-                <a:blip r:embed="rId2"/>
-              </a:buBlip>
-              <a:defRPr/>
-            </a:pPr>
-            <a:r>
-              <a:rPr lang="ko-KR" altLang="en-US" sz="2600" dirty="0">
-                <a:solidFill>
-                  <a:schemeClr val="bg1"/>
-                </a:solidFill>
-                <a:latin typeface="맑은 고딕" panose="020B0503020000020004" pitchFamily="50" charset="-127"/>
-                <a:ea typeface="맑은 고딕" panose="020B0503020000020004" pitchFamily="50" charset="-127"/>
-              </a:rPr>
-              <a:t>상세 내용 </a:t>
-            </a:r>
-            <a:r>
-              <a:rPr lang="en-US" altLang="ko-KR" sz="2600" dirty="0">
-                <a:solidFill>
-                  <a:schemeClr val="bg1"/>
-                </a:solidFill>
-                <a:latin typeface="맑은 고딕" panose="020B0503020000020004" pitchFamily="50" charset="-127"/>
-                <a:ea typeface="맑은 고딕" panose="020B0503020000020004" pitchFamily="50" charset="-127"/>
-              </a:rPr>
-              <a:t>4</a:t>
-            </a:r>
-          </a:p>
-        </p:txBody>
-      </p:sp>
       <p:pic>
         <p:nvPicPr>
-          <p:cNvPr id="12" name="그림 11" descr="분필제목라인.png"/>
+          <p:cNvPr id="8" name="그림 7" descr="참잘했어요.png"/>
           <p:cNvPicPr>
             <a:picLocks noChangeAspect="1"/>
           </p:cNvPicPr>
           <p:nvPr/>
         </p:nvPicPr>
         <p:blipFill>
-          <a:blip r:embed="rId3" cstate="print"/>
+          <a:blip r:embed="rId2" cstate="print"/>
           <a:stretch>
             <a:fillRect/>
           </a:stretch>
         </p:blipFill>
         <p:spPr>
           <a:xfrm>
-            <a:off x="538162" y="1303809"/>
-            <a:ext cx="8067675" cy="180975"/>
+            <a:off x="2952750" y="1800225"/>
+            <a:ext cx="3238500" cy="3257550"/>
           </a:xfrm>
           <a:prstGeom prst="rect">
             <a:avLst/>
           </a:prstGeom>
         </p:spPr>
       </p:pic>
-      <p:sp>
-        <p:nvSpPr>
-          <p:cNvPr id="7" name="TextBox 6"/>
-          <p:cNvSpPr txBox="1"/>
-          <p:nvPr/>
-        </p:nvSpPr>
-        <p:spPr>
-          <a:xfrm>
-            <a:off x="683568" y="1880245"/>
-            <a:ext cx="5256584" cy="892552"/>
-          </a:xfrm>
-          <a:prstGeom prst="rect">
-            <a:avLst/>
-          </a:prstGeom>
-          <a:noFill/>
-        </p:spPr>
-        <p:txBody>
-          <a:bodyPr wrap="square">
-            <a:spAutoFit/>
-          </a:bodyPr>
-          <a:lstStyle/>
-          <a:p>
-            <a:pPr marL="514350" indent="-514350" fontAlgn="auto">
-              <a:spcBef>
-                <a:spcPts val="0"/>
-              </a:spcBef>
-              <a:spcAft>
-                <a:spcPts val="0"/>
-              </a:spcAft>
-              <a:defRPr/>
-            </a:pPr>
-            <a:r>
-              <a:rPr lang="ko-KR" altLang="en-US" sz="2600" dirty="0">
-                <a:solidFill>
-                  <a:schemeClr val="bg1"/>
-                </a:solidFill>
-                <a:latin typeface="맑은 고딕" panose="020B0503020000020004" pitchFamily="50" charset="-127"/>
-                <a:ea typeface="맑은 고딕" panose="020B0503020000020004" pitchFamily="50" charset="-127"/>
-              </a:rPr>
-              <a:t>내용을 여기에 작성해주세요</a:t>
-            </a:r>
-            <a:r>
-              <a:rPr lang="en-US" altLang="ko-KR" sz="2600" dirty="0">
-                <a:solidFill>
-                  <a:schemeClr val="bg1"/>
-                </a:solidFill>
-                <a:latin typeface="맑은 고딕" panose="020B0503020000020004" pitchFamily="50" charset="-127"/>
-                <a:ea typeface="맑은 고딕" panose="020B0503020000020004" pitchFamily="50" charset="-127"/>
-              </a:rPr>
-              <a:t>.</a:t>
-            </a:r>
-          </a:p>
-          <a:p>
-            <a:pPr marL="514350" indent="-514350" fontAlgn="auto">
-              <a:spcBef>
-                <a:spcPts val="0"/>
-              </a:spcBef>
-              <a:spcAft>
-                <a:spcPts val="0"/>
-              </a:spcAft>
-              <a:defRPr/>
-            </a:pPr>
-            <a:r>
-              <a:rPr lang="ko-KR" altLang="en-US" sz="2600" dirty="0">
-                <a:solidFill>
-                  <a:schemeClr val="bg1"/>
-                </a:solidFill>
-                <a:latin typeface="맑은 고딕" panose="020B0503020000020004" pitchFamily="50" charset="-127"/>
-                <a:ea typeface="맑은 고딕" panose="020B0503020000020004" pitchFamily="50" charset="-127"/>
-              </a:rPr>
-              <a:t>나눔 </a:t>
-            </a:r>
-            <a:r>
-              <a:rPr lang="ko-KR" altLang="en-US" sz="2600" dirty="0" err="1">
-                <a:solidFill>
-                  <a:schemeClr val="bg1"/>
-                </a:solidFill>
-                <a:latin typeface="맑은 고딕" panose="020B0503020000020004" pitchFamily="50" charset="-127"/>
-                <a:ea typeface="맑은 고딕" panose="020B0503020000020004" pitchFamily="50" charset="-127"/>
-              </a:rPr>
-              <a:t>손글씨</a:t>
-            </a:r>
-            <a:r>
-              <a:rPr lang="ko-KR" altLang="en-US" sz="2600" dirty="0">
-                <a:solidFill>
-                  <a:schemeClr val="bg1"/>
-                </a:solidFill>
-                <a:latin typeface="맑은 고딕" panose="020B0503020000020004" pitchFamily="50" charset="-127"/>
-                <a:ea typeface="맑은 고딕" panose="020B0503020000020004" pitchFamily="50" charset="-127"/>
-              </a:rPr>
-              <a:t> 펜</a:t>
-            </a:r>
-            <a:r>
-              <a:rPr lang="en-US" altLang="ko-KR" sz="2600" dirty="0">
-                <a:solidFill>
-                  <a:schemeClr val="bg1"/>
-                </a:solidFill>
-                <a:latin typeface="맑은 고딕" panose="020B0503020000020004" pitchFamily="50" charset="-127"/>
-                <a:ea typeface="맑은 고딕" panose="020B0503020000020004" pitchFamily="50" charset="-127"/>
-              </a:rPr>
-              <a:t>, 26pt</a:t>
-            </a:r>
-          </a:p>
-        </p:txBody>
-      </p:sp>
     </p:spTree>
   </p:cSld>
   <p:clrMapOvr>
@@ -12723,44 +13024,194 @@
               <a:defRPr/>
             </a:pPr>
             <a:r>
+              <a:rPr lang="en-US" altLang="ko-KR" sz="4600" spc="-150" dirty="0">
+                <a:solidFill>
+                  <a:schemeClr val="bg1"/>
+                </a:solidFill>
+                <a:latin typeface="맑은 고딕" panose="020B0503020000020004" pitchFamily="50" charset="-127"/>
+                <a:ea typeface="맑은 고딕" panose="020B0503020000020004" pitchFamily="50" charset="-127"/>
+              </a:rPr>
+              <a:t>1. </a:t>
+            </a:r>
+            <a:r>
               <a:rPr kumimoji="0" lang="ko-KR" altLang="en-US" sz="4600" spc="-150" dirty="0">
                 <a:solidFill>
                   <a:schemeClr val="bg1"/>
                 </a:solidFill>
-                <a:latin typeface="나눔손글씨 펜" pitchFamily="66" charset="-127"/>
-                <a:ea typeface="나눔손글씨 펜" pitchFamily="66" charset="-127"/>
-              </a:rPr>
-              <a:t>도형 </a:t>
-            </a:r>
-            <a:r>
-              <a:rPr kumimoji="0" lang="en-US" altLang="ko-KR" sz="4600" spc="-150" dirty="0">
+                <a:latin typeface="맑은 고딕" panose="020B0503020000020004" pitchFamily="50" charset="-127"/>
+                <a:ea typeface="맑은 고딕" panose="020B0503020000020004" pitchFamily="50" charset="-127"/>
+              </a:rPr>
+              <a:t>제목</a:t>
+            </a:r>
+            <a:endParaRPr kumimoji="0" lang="en-US" altLang="ko-KR" sz="4600" spc="-150" dirty="0">
+              <a:solidFill>
+                <a:schemeClr val="bg1"/>
+              </a:solidFill>
+              <a:latin typeface="맑은 고딕" panose="020B0503020000020004" pitchFamily="50" charset="-127"/>
+              <a:ea typeface="맑은 고딕" panose="020B0503020000020004" pitchFamily="50" charset="-127"/>
+            </a:endParaRPr>
+          </a:p>
+        </p:txBody>
+      </p:sp>
+      <p:sp>
+        <p:nvSpPr>
+          <p:cNvPr id="9" name="TextBox 8"/>
+          <p:cNvSpPr txBox="1"/>
+          <p:nvPr/>
+        </p:nvSpPr>
+        <p:spPr>
+          <a:xfrm>
+            <a:off x="683568" y="2996952"/>
+            <a:ext cx="5256584" cy="1692771"/>
+          </a:xfrm>
+          <a:prstGeom prst="rect">
+            <a:avLst/>
+          </a:prstGeom>
+          <a:noFill/>
+        </p:spPr>
+        <p:txBody>
+          <a:bodyPr wrap="square">
+            <a:spAutoFit/>
+          </a:bodyPr>
+          <a:lstStyle/>
+          <a:p>
+            <a:pPr marL="514350" indent="-514350" fontAlgn="auto">
+              <a:spcBef>
+                <a:spcPts val="0"/>
+              </a:spcBef>
+              <a:spcAft>
+                <a:spcPts val="0"/>
+              </a:spcAft>
+              <a:buSzPct val="80000"/>
+              <a:buBlip>
+                <a:blip r:embed="rId2"/>
+              </a:buBlip>
+              <a:defRPr/>
+            </a:pPr>
+            <a:r>
+              <a:rPr lang="ko-KR" altLang="en-US" sz="2600" dirty="0">
                 <a:solidFill>
                   <a:schemeClr val="bg1"/>
                 </a:solidFill>
-                <a:latin typeface="나눔손글씨 펜" pitchFamily="66" charset="-127"/>
-                <a:ea typeface="나눔손글씨 펜" pitchFamily="66" charset="-127"/>
-              </a:rPr>
-              <a:t>(</a:t>
-            </a:r>
-            <a:r>
-              <a:rPr kumimoji="0" lang="ko-KR" altLang="en-US" sz="4600" spc="-150" dirty="0">
+                <a:latin typeface="맑은 고딕" panose="020B0503020000020004" pitchFamily="50" charset="-127"/>
+                <a:ea typeface="맑은 고딕" panose="020B0503020000020004" pitchFamily="50" charset="-127"/>
+              </a:rPr>
+              <a:t>상세 내용 </a:t>
+            </a:r>
+            <a:r>
+              <a:rPr lang="en-US" altLang="ko-KR" sz="2600" dirty="0">
                 <a:solidFill>
                   <a:schemeClr val="bg1"/>
                 </a:solidFill>
-                <a:latin typeface="나눔손글씨 펜" pitchFamily="66" charset="-127"/>
-                <a:ea typeface="나눔손글씨 펜" pitchFamily="66" charset="-127"/>
-              </a:rPr>
-              <a:t>면</a:t>
-            </a:r>
-            <a:r>
-              <a:rPr kumimoji="0" lang="en-US" altLang="ko-KR" sz="4600" spc="-150" dirty="0">
+                <a:latin typeface="맑은 고딕" panose="020B0503020000020004" pitchFamily="50" charset="-127"/>
+                <a:ea typeface="맑은 고딕" panose="020B0503020000020004" pitchFamily="50" charset="-127"/>
+              </a:rPr>
+              <a:t>1</a:t>
+            </a:r>
+          </a:p>
+          <a:p>
+            <a:pPr marL="514350" indent="-514350" fontAlgn="auto">
+              <a:spcBef>
+                <a:spcPts val="0"/>
+              </a:spcBef>
+              <a:spcAft>
+                <a:spcPts val="0"/>
+              </a:spcAft>
+              <a:buSzPct val="80000"/>
+              <a:buBlip>
+                <a:blip r:embed="rId2"/>
+              </a:buBlip>
+              <a:defRPr/>
+            </a:pPr>
+            <a:r>
+              <a:rPr lang="ko-KR" altLang="en-US" sz="2600" dirty="0">
                 <a:solidFill>
                   <a:schemeClr val="bg1"/>
                 </a:solidFill>
-                <a:latin typeface="나눔손글씨 펜" pitchFamily="66" charset="-127"/>
-                <a:ea typeface="나눔손글씨 펜" pitchFamily="66" charset="-127"/>
-              </a:rPr>
-              <a:t>)</a:t>
+                <a:latin typeface="맑은 고딕" panose="020B0503020000020004" pitchFamily="50" charset="-127"/>
+                <a:ea typeface="맑은 고딕" panose="020B0503020000020004" pitchFamily="50" charset="-127"/>
+              </a:rPr>
+              <a:t>상세 내용 </a:t>
+            </a:r>
+            <a:r>
+              <a:rPr lang="en-US" altLang="ko-KR" sz="2600" dirty="0">
+                <a:solidFill>
+                  <a:schemeClr val="bg1"/>
+                </a:solidFill>
+                <a:latin typeface="맑은 고딕" panose="020B0503020000020004" pitchFamily="50" charset="-127"/>
+                <a:ea typeface="맑은 고딕" panose="020B0503020000020004" pitchFamily="50" charset="-127"/>
+              </a:rPr>
+              <a:t>2</a:t>
+            </a:r>
+          </a:p>
+          <a:p>
+            <a:pPr marL="514350" indent="-514350" fontAlgn="auto">
+              <a:spcBef>
+                <a:spcPts val="0"/>
+              </a:spcBef>
+              <a:spcAft>
+                <a:spcPts val="0"/>
+              </a:spcAft>
+              <a:buSzPct val="80000"/>
+              <a:buBlip>
+                <a:blip r:embed="rId2"/>
+              </a:buBlip>
+              <a:defRPr/>
+            </a:pPr>
+            <a:r>
+              <a:rPr lang="ko-KR" altLang="en-US" sz="2600" dirty="0">
+                <a:solidFill>
+                  <a:schemeClr val="bg1"/>
+                </a:solidFill>
+                <a:latin typeface="맑은 고딕" panose="020B0503020000020004" pitchFamily="50" charset="-127"/>
+                <a:ea typeface="맑은 고딕" panose="020B0503020000020004" pitchFamily="50" charset="-127"/>
+              </a:rPr>
+              <a:t>상세 내용 </a:t>
+            </a:r>
+            <a:r>
+              <a:rPr lang="en-US" altLang="ko-KR" sz="2600" dirty="0">
+                <a:solidFill>
+                  <a:schemeClr val="bg1"/>
+                </a:solidFill>
+                <a:latin typeface="맑은 고딕" panose="020B0503020000020004" pitchFamily="50" charset="-127"/>
+                <a:ea typeface="맑은 고딕" panose="020B0503020000020004" pitchFamily="50" charset="-127"/>
+              </a:rPr>
+              <a:t>3</a:t>
+            </a:r>
+          </a:p>
+          <a:p>
+            <a:pPr marL="514350" indent="-514350" fontAlgn="auto">
+              <a:spcBef>
+                <a:spcPts val="0"/>
+              </a:spcBef>
+              <a:spcAft>
+                <a:spcPts val="0"/>
+              </a:spcAft>
+              <a:buSzPct val="80000"/>
+              <a:buBlip>
+                <a:blip r:embed="rId2"/>
+              </a:buBlip>
+              <a:defRPr/>
+            </a:pPr>
+            <a:r>
+              <a:rPr lang="ko-KR" altLang="en-US" sz="2600" dirty="0">
+                <a:solidFill>
+                  <a:schemeClr val="bg1"/>
+                </a:solidFill>
+                <a:latin typeface="맑은 고딕" panose="020B0503020000020004" pitchFamily="50" charset="-127"/>
+                <a:ea typeface="맑은 고딕" panose="020B0503020000020004" pitchFamily="50" charset="-127"/>
+              </a:rPr>
+              <a:t>상세 내용 </a:t>
+            </a:r>
+            <a:r>
+              <a:rPr lang="en-US" altLang="ko-KR" sz="2600" dirty="0">
+                <a:solidFill>
+                  <a:schemeClr val="bg1"/>
+                </a:solidFill>
+                <a:latin typeface="맑은 고딕" panose="020B0503020000020004" pitchFamily="50" charset="-127"/>
+                <a:ea typeface="맑은 고딕" panose="020B0503020000020004" pitchFamily="50" charset="-127"/>
+              </a:rPr>
+              <a:t>4</a:t>
             </a:r>
           </a:p>
         </p:txBody>
@@ -12774,30 +13225,6 @@
           <p:nvPr/>
         </p:nvPicPr>
         <p:blipFill>
-          <a:blip r:embed="rId2" cstate="print"/>
-          <a:stretch>
-            <a:fillRect/>
-          </a:stretch>
-        </p:blipFill>
-        <p:spPr>
-          <a:xfrm>
-            <a:off x="538162" y="1303809"/>
-            <a:ext cx="8067675" cy="180975"/>
-          </a:xfrm>
-          <a:prstGeom prst="rect">
-            <a:avLst/>
-          </a:prstGeom>
-        </p:spPr>
-      </p:pic>
-      <p:pic>
-        <p:nvPicPr>
-          <p:cNvPr id="39" name="그림 38" descr="도형_면삼각형_화이트.png"/>
-          <p:cNvPicPr>
-            <a:picLocks noChangeAspect="1"/>
-          </p:cNvPicPr>
-          <p:nvPr/>
-        </p:nvPicPr>
-        <p:blipFill>
           <a:blip r:embed="rId3" cstate="print"/>
           <a:stretch>
             <a:fillRect/>
@@ -12805,278 +13232,119 @@
         </p:blipFill>
         <p:spPr>
           <a:xfrm>
-            <a:off x="539552" y="1826518"/>
-            <a:ext cx="1562100" cy="1314450"/>
+            <a:off x="538162" y="1303809"/>
+            <a:ext cx="8067675" cy="180975"/>
           </a:xfrm>
           <a:prstGeom prst="rect">
             <a:avLst/>
           </a:prstGeom>
         </p:spPr>
       </p:pic>
-      <p:pic>
-        <p:nvPicPr>
-          <p:cNvPr id="40" name="그림 39" descr="도형_면삼각형_옐로우.png"/>
-          <p:cNvPicPr>
-            <a:picLocks noChangeAspect="1"/>
-          </p:cNvPicPr>
+      <p:sp>
+        <p:nvSpPr>
+          <p:cNvPr id="7" name="TextBox 6"/>
+          <p:cNvSpPr txBox="1"/>
           <p:nvPr/>
-        </p:nvPicPr>
-        <p:blipFill>
-          <a:blip r:embed="rId4" cstate="print"/>
-          <a:stretch>
-            <a:fillRect/>
-          </a:stretch>
-        </p:blipFill>
-        <p:spPr>
-          <a:xfrm>
-            <a:off x="2102335" y="1807591"/>
-            <a:ext cx="1562100" cy="1314450"/>
+        </p:nvSpPr>
+        <p:spPr>
+          <a:xfrm>
+            <a:off x="683568" y="1880245"/>
+            <a:ext cx="5256584" cy="892552"/>
           </a:xfrm>
           <a:prstGeom prst="rect">
             <a:avLst/>
           </a:prstGeom>
-        </p:spPr>
-      </p:pic>
-      <p:pic>
-        <p:nvPicPr>
-          <p:cNvPr id="41" name="그림 40" descr="도형_면삼각형_핑크.png"/>
-          <p:cNvPicPr>
-            <a:picLocks noChangeAspect="1"/>
-          </p:cNvPicPr>
-          <p:nvPr/>
-        </p:nvPicPr>
-        <p:blipFill>
-          <a:blip r:embed="rId5" cstate="print"/>
-          <a:stretch>
-            <a:fillRect/>
-          </a:stretch>
-        </p:blipFill>
-        <p:spPr>
-          <a:xfrm>
-            <a:off x="3654946" y="1826518"/>
-            <a:ext cx="1562100" cy="1314450"/>
-          </a:xfrm>
-          <a:prstGeom prst="rect">
-            <a:avLst/>
-          </a:prstGeom>
-        </p:spPr>
-      </p:pic>
-      <p:pic>
-        <p:nvPicPr>
-          <p:cNvPr id="42" name="그림 41" descr="도형_면사각형_화이트.png"/>
-          <p:cNvPicPr>
-            <a:picLocks noChangeAspect="1"/>
-          </p:cNvPicPr>
-          <p:nvPr/>
-        </p:nvPicPr>
-        <p:blipFill>
-          <a:blip r:embed="rId6" cstate="print"/>
-          <a:stretch>
-            <a:fillRect/>
-          </a:stretch>
-        </p:blipFill>
-        <p:spPr>
-          <a:xfrm>
-            <a:off x="573560" y="3350023"/>
-            <a:ext cx="1562100" cy="1314450"/>
-          </a:xfrm>
-          <a:prstGeom prst="rect">
-            <a:avLst/>
-          </a:prstGeom>
-        </p:spPr>
-      </p:pic>
-      <p:pic>
-        <p:nvPicPr>
-          <p:cNvPr id="43" name="그림 42" descr="도형_면사각형_옐로우.png"/>
-          <p:cNvPicPr>
-            <a:picLocks noChangeAspect="1"/>
-          </p:cNvPicPr>
-          <p:nvPr/>
-        </p:nvPicPr>
-        <p:blipFill>
-          <a:blip r:embed="rId7" cstate="print"/>
-          <a:stretch>
-            <a:fillRect/>
-          </a:stretch>
-        </p:blipFill>
-        <p:spPr>
-          <a:xfrm>
-            <a:off x="2120287" y="3335361"/>
-            <a:ext cx="1562100" cy="1314450"/>
-          </a:xfrm>
-          <a:prstGeom prst="rect">
-            <a:avLst/>
-          </a:prstGeom>
-        </p:spPr>
-      </p:pic>
-      <p:pic>
-        <p:nvPicPr>
-          <p:cNvPr id="44" name="그림 43" descr="도형_면사각형_핑크.png"/>
-          <p:cNvPicPr>
-            <a:picLocks noChangeAspect="1"/>
-          </p:cNvPicPr>
-          <p:nvPr/>
-        </p:nvPicPr>
-        <p:blipFill>
-          <a:blip r:embed="rId8" cstate="print"/>
-          <a:stretch>
-            <a:fillRect/>
-          </a:stretch>
-        </p:blipFill>
-        <p:spPr>
-          <a:xfrm>
-            <a:off x="3706248" y="3344763"/>
-            <a:ext cx="1562100" cy="1314450"/>
-          </a:xfrm>
-          <a:prstGeom prst="rect">
-            <a:avLst/>
-          </a:prstGeom>
-        </p:spPr>
-      </p:pic>
-      <p:pic>
-        <p:nvPicPr>
-          <p:cNvPr id="45" name="그림 44" descr="도형_면원_화이트.png"/>
-          <p:cNvPicPr>
-            <a:picLocks noChangeAspect="1"/>
-          </p:cNvPicPr>
-          <p:nvPr/>
-        </p:nvPicPr>
-        <p:blipFill>
-          <a:blip r:embed="rId9" cstate="print"/>
-          <a:stretch>
-            <a:fillRect/>
-          </a:stretch>
-        </p:blipFill>
-        <p:spPr>
-          <a:xfrm>
-            <a:off x="561628" y="4845491"/>
-            <a:ext cx="1562100" cy="1314450"/>
-          </a:xfrm>
-          <a:prstGeom prst="rect">
-            <a:avLst/>
-          </a:prstGeom>
-        </p:spPr>
-      </p:pic>
-      <p:pic>
-        <p:nvPicPr>
-          <p:cNvPr id="46" name="그림 45" descr="도형_면원_옐로우.png"/>
-          <p:cNvPicPr>
-            <a:picLocks noChangeAspect="1"/>
-          </p:cNvPicPr>
-          <p:nvPr/>
-        </p:nvPicPr>
-        <p:blipFill>
-          <a:blip r:embed="rId10" cstate="print"/>
-          <a:stretch>
-            <a:fillRect/>
-          </a:stretch>
-        </p:blipFill>
-        <p:spPr>
-          <a:xfrm>
-            <a:off x="2145804" y="4850854"/>
-            <a:ext cx="1562100" cy="1314450"/>
-          </a:xfrm>
-          <a:prstGeom prst="rect">
-            <a:avLst/>
-          </a:prstGeom>
-        </p:spPr>
-      </p:pic>
-      <p:pic>
-        <p:nvPicPr>
-          <p:cNvPr id="47" name="그림 46" descr="도형_면원_핑크.png"/>
-          <p:cNvPicPr>
-            <a:picLocks noChangeAspect="1"/>
-          </p:cNvPicPr>
-          <p:nvPr/>
-        </p:nvPicPr>
-        <p:blipFill>
-          <a:blip r:embed="rId11" cstate="print"/>
-          <a:stretch>
-            <a:fillRect/>
-          </a:stretch>
-        </p:blipFill>
-        <p:spPr>
-          <a:xfrm>
-            <a:off x="3690850" y="4850854"/>
-            <a:ext cx="1562100" cy="1314450"/>
-          </a:xfrm>
-          <a:prstGeom prst="rect">
-            <a:avLst/>
-          </a:prstGeom>
-        </p:spPr>
-      </p:pic>
-      <p:pic>
-        <p:nvPicPr>
-          <p:cNvPr id="48" name="그림 47" descr="도형_면직사각형_화이트.png"/>
-          <p:cNvPicPr>
-            <a:picLocks noChangeAspect="1"/>
-          </p:cNvPicPr>
-          <p:nvPr/>
-        </p:nvPicPr>
-        <p:blipFill>
-          <a:blip r:embed="rId12" cstate="print"/>
-          <a:stretch>
-            <a:fillRect/>
-          </a:stretch>
-        </p:blipFill>
-        <p:spPr>
-          <a:xfrm>
-            <a:off x="5292080" y="1886558"/>
-            <a:ext cx="3314700" cy="1228725"/>
-          </a:xfrm>
-          <a:prstGeom prst="rect">
-            <a:avLst/>
-          </a:prstGeom>
-        </p:spPr>
-      </p:pic>
-      <p:pic>
-        <p:nvPicPr>
-          <p:cNvPr id="49" name="그림 48" descr="도형_면직사각형_옐로우.png"/>
-          <p:cNvPicPr>
-            <a:picLocks noChangeAspect="1"/>
-          </p:cNvPicPr>
-          <p:nvPr/>
-        </p:nvPicPr>
-        <p:blipFill>
-          <a:blip r:embed="rId13" cstate="print"/>
-          <a:stretch>
-            <a:fillRect/>
-          </a:stretch>
-        </p:blipFill>
-        <p:spPr>
-          <a:xfrm>
-            <a:off x="5306845" y="3367354"/>
-            <a:ext cx="3314700" cy="1228725"/>
-          </a:xfrm>
-          <a:prstGeom prst="rect">
-            <a:avLst/>
-          </a:prstGeom>
-        </p:spPr>
-      </p:pic>
-      <p:pic>
-        <p:nvPicPr>
-          <p:cNvPr id="50" name="그림 49" descr="도형_면직사각형_핑크.png"/>
-          <p:cNvPicPr>
-            <a:picLocks noChangeAspect="1"/>
-          </p:cNvPicPr>
-          <p:nvPr/>
-        </p:nvPicPr>
-        <p:blipFill>
-          <a:blip r:embed="rId14" cstate="print"/>
-          <a:stretch>
-            <a:fillRect/>
-          </a:stretch>
-        </p:blipFill>
-        <p:spPr>
-          <a:xfrm>
-            <a:off x="5330291" y="4850854"/>
-            <a:ext cx="3314700" cy="1228725"/>
-          </a:xfrm>
-          <a:prstGeom prst="rect">
-            <a:avLst/>
-          </a:prstGeom>
-        </p:spPr>
-      </p:pic>
+          <a:noFill/>
+        </p:spPr>
+        <p:txBody>
+          <a:bodyPr wrap="square">
+            <a:spAutoFit/>
+          </a:bodyPr>
+          <a:lstStyle/>
+          <a:p>
+            <a:pPr marL="514350" indent="-514350" fontAlgn="auto">
+              <a:spcBef>
+                <a:spcPts val="0"/>
+              </a:spcBef>
+              <a:spcAft>
+                <a:spcPts val="0"/>
+              </a:spcAft>
+              <a:defRPr/>
+            </a:pPr>
+            <a:r>
+              <a:rPr lang="ko-KR" altLang="en-US" sz="2600" dirty="0">
+                <a:solidFill>
+                  <a:schemeClr val="bg1"/>
+                </a:solidFill>
+                <a:latin typeface="맑은 고딕" panose="020B0503020000020004" pitchFamily="50" charset="-127"/>
+                <a:ea typeface="맑은 고딕" panose="020B0503020000020004" pitchFamily="50" charset="-127"/>
+              </a:rPr>
+              <a:t>내용을 여기에 작성해주세요</a:t>
+            </a:r>
+            <a:r>
+              <a:rPr lang="en-US" altLang="ko-KR" sz="2600" dirty="0">
+                <a:solidFill>
+                  <a:schemeClr val="bg1"/>
+                </a:solidFill>
+                <a:latin typeface="맑은 고딕" panose="020B0503020000020004" pitchFamily="50" charset="-127"/>
+                <a:ea typeface="맑은 고딕" panose="020B0503020000020004" pitchFamily="50" charset="-127"/>
+              </a:rPr>
+              <a:t>.</a:t>
+            </a:r>
+          </a:p>
+          <a:p>
+            <a:pPr marL="514350" indent="-514350" fontAlgn="auto">
+              <a:spcBef>
+                <a:spcPts val="0"/>
+              </a:spcBef>
+              <a:spcAft>
+                <a:spcPts val="0"/>
+              </a:spcAft>
+              <a:defRPr/>
+            </a:pPr>
+            <a:r>
+              <a:rPr lang="ko-KR" altLang="en-US" sz="2600" dirty="0">
+                <a:solidFill>
+                  <a:schemeClr val="bg1"/>
+                </a:solidFill>
+                <a:latin typeface="맑은 고딕" panose="020B0503020000020004" pitchFamily="50" charset="-127"/>
+                <a:ea typeface="맑은 고딕" panose="020B0503020000020004" pitchFamily="50" charset="-127"/>
+              </a:rPr>
+              <a:t>나눔 </a:t>
+            </a:r>
+            <a:r>
+              <a:rPr lang="ko-KR" altLang="en-US" sz="2600" dirty="0" err="1">
+                <a:solidFill>
+                  <a:schemeClr val="bg1"/>
+                </a:solidFill>
+                <a:latin typeface="맑은 고딕" panose="020B0503020000020004" pitchFamily="50" charset="-127"/>
+                <a:ea typeface="맑은 고딕" panose="020B0503020000020004" pitchFamily="50" charset="-127"/>
+              </a:rPr>
+              <a:t>손글씨</a:t>
+            </a:r>
+            <a:r>
+              <a:rPr lang="ko-KR" altLang="en-US" sz="2600" dirty="0">
+                <a:solidFill>
+                  <a:schemeClr val="bg1"/>
+                </a:solidFill>
+                <a:latin typeface="맑은 고딕" panose="020B0503020000020004" pitchFamily="50" charset="-127"/>
+                <a:ea typeface="맑은 고딕" panose="020B0503020000020004" pitchFamily="50" charset="-127"/>
+              </a:rPr>
+              <a:t> 펜</a:t>
+            </a:r>
+            <a:r>
+              <a:rPr lang="en-US" altLang="ko-KR" sz="2600" dirty="0">
+                <a:solidFill>
+                  <a:schemeClr val="bg1"/>
+                </a:solidFill>
+                <a:latin typeface="맑은 고딕" panose="020B0503020000020004" pitchFamily="50" charset="-127"/>
+                <a:ea typeface="맑은 고딕" panose="020B0503020000020004" pitchFamily="50" charset="-127"/>
+              </a:rPr>
+              <a:t>, 26pt</a:t>
+            </a:r>
+          </a:p>
+        </p:txBody>
+      </p:sp>
     </p:spTree>
   </p:cSld>
   <p:clrMapOvr>
